--- a/Identification.pptx
+++ b/Identification.pptx
@@ -106,6 +106,11 @@
       </a:defRPr>
     </a:lvl9pPr>
   </p:defaultTextStyle>
+  <p:extLst>
+    <p:ext uri="{EFAFB233-063F-42B5-8137-9DF3F51BA10A}">
+      <p15:sldGuideLst xmlns:p15="http://schemas.microsoft.com/office/powerpoint/2012/main"/>
+    </p:ext>
+  </p:extLst>
 </p:presentation>
 </file>
 
@@ -256,7 +261,7 @@
           <a:p>
             <a:fld id="{9BC745BD-0600-4004-851E-D21008629570}" type="datetimeFigureOut">
               <a:rPr lang="zh-CN" altLang="en-US" smtClean="0"/>
-              <a:t>2024/8/13</a:t>
+              <a:t>2024/9/19</a:t>
             </a:fld>
             <a:endParaRPr lang="zh-CN" altLang="en-US"/>
           </a:p>
@@ -454,7 +459,7 @@
           <a:p>
             <a:fld id="{9BC745BD-0600-4004-851E-D21008629570}" type="datetimeFigureOut">
               <a:rPr lang="zh-CN" altLang="en-US" smtClean="0"/>
-              <a:t>2024/8/13</a:t>
+              <a:t>2024/9/19</a:t>
             </a:fld>
             <a:endParaRPr lang="zh-CN" altLang="en-US"/>
           </a:p>
@@ -662,7 +667,7 @@
           <a:p>
             <a:fld id="{9BC745BD-0600-4004-851E-D21008629570}" type="datetimeFigureOut">
               <a:rPr lang="zh-CN" altLang="en-US" smtClean="0"/>
-              <a:t>2024/8/13</a:t>
+              <a:t>2024/9/19</a:t>
             </a:fld>
             <a:endParaRPr lang="zh-CN" altLang="en-US"/>
           </a:p>
@@ -860,7 +865,7 @@
           <a:p>
             <a:fld id="{9BC745BD-0600-4004-851E-D21008629570}" type="datetimeFigureOut">
               <a:rPr lang="zh-CN" altLang="en-US" smtClean="0"/>
-              <a:t>2024/8/13</a:t>
+              <a:t>2024/9/19</a:t>
             </a:fld>
             <a:endParaRPr lang="zh-CN" altLang="en-US"/>
           </a:p>
@@ -1135,7 +1140,7 @@
           <a:p>
             <a:fld id="{9BC745BD-0600-4004-851E-D21008629570}" type="datetimeFigureOut">
               <a:rPr lang="zh-CN" altLang="en-US" smtClean="0"/>
-              <a:t>2024/8/13</a:t>
+              <a:t>2024/9/19</a:t>
             </a:fld>
             <a:endParaRPr lang="zh-CN" altLang="en-US"/>
           </a:p>
@@ -1400,7 +1405,7 @@
           <a:p>
             <a:fld id="{9BC745BD-0600-4004-851E-D21008629570}" type="datetimeFigureOut">
               <a:rPr lang="zh-CN" altLang="en-US" smtClean="0"/>
-              <a:t>2024/8/13</a:t>
+              <a:t>2024/9/19</a:t>
             </a:fld>
             <a:endParaRPr lang="zh-CN" altLang="en-US"/>
           </a:p>
@@ -1812,7 +1817,7 @@
           <a:p>
             <a:fld id="{9BC745BD-0600-4004-851E-D21008629570}" type="datetimeFigureOut">
               <a:rPr lang="zh-CN" altLang="en-US" smtClean="0"/>
-              <a:t>2024/8/13</a:t>
+              <a:t>2024/9/19</a:t>
             </a:fld>
             <a:endParaRPr lang="zh-CN" altLang="en-US"/>
           </a:p>
@@ -1953,7 +1958,7 @@
           <a:p>
             <a:fld id="{9BC745BD-0600-4004-851E-D21008629570}" type="datetimeFigureOut">
               <a:rPr lang="zh-CN" altLang="en-US" smtClean="0"/>
-              <a:t>2024/8/13</a:t>
+              <a:t>2024/9/19</a:t>
             </a:fld>
             <a:endParaRPr lang="zh-CN" altLang="en-US"/>
           </a:p>
@@ -2066,7 +2071,7 @@
           <a:p>
             <a:fld id="{9BC745BD-0600-4004-851E-D21008629570}" type="datetimeFigureOut">
               <a:rPr lang="zh-CN" altLang="en-US" smtClean="0"/>
-              <a:t>2024/8/13</a:t>
+              <a:t>2024/9/19</a:t>
             </a:fld>
             <a:endParaRPr lang="zh-CN" altLang="en-US"/>
           </a:p>
@@ -2377,7 +2382,7 @@
           <a:p>
             <a:fld id="{9BC745BD-0600-4004-851E-D21008629570}" type="datetimeFigureOut">
               <a:rPr lang="zh-CN" altLang="en-US" smtClean="0"/>
-              <a:t>2024/8/13</a:t>
+              <a:t>2024/9/19</a:t>
             </a:fld>
             <a:endParaRPr lang="zh-CN" altLang="en-US"/>
           </a:p>
@@ -2665,7 +2670,7 @@
           <a:p>
             <a:fld id="{9BC745BD-0600-4004-851E-D21008629570}" type="datetimeFigureOut">
               <a:rPr lang="zh-CN" altLang="en-US" smtClean="0"/>
-              <a:t>2024/8/13</a:t>
+              <a:t>2024/9/19</a:t>
             </a:fld>
             <a:endParaRPr lang="zh-CN" altLang="en-US"/>
           </a:p>
@@ -2906,7 +2911,7 @@
           <a:p>
             <a:fld id="{9BC745BD-0600-4004-851E-D21008629570}" type="datetimeFigureOut">
               <a:rPr lang="zh-CN" altLang="en-US" smtClean="0"/>
-              <a:t>2024/8/13</a:t>
+              <a:t>2024/9/19</a:t>
             </a:fld>
             <a:endParaRPr lang="zh-CN" altLang="en-US"/>
           </a:p>
@@ -3325,10 +3330,10 @@
       </p:grpSpPr>
       <p:pic>
         <p:nvPicPr>
-          <p:cNvPr id="4" name="图片 3">
-            <a:extLst>
-              <a:ext uri="{FF2B5EF4-FFF2-40B4-BE49-F238E27FC236}">
-                <a16:creationId xmlns:a16="http://schemas.microsoft.com/office/drawing/2014/main" id="{B960428E-3C06-4704-8E46-E85B3A072329}"/>
+          <p:cNvPr id="5" name="图片 4">
+            <a:extLst>
+              <a:ext uri="{FF2B5EF4-FFF2-40B4-BE49-F238E27FC236}">
+                <a16:creationId xmlns:a16="http://schemas.microsoft.com/office/drawing/2014/main" id="{6ACD08D7-00DB-4751-A210-9A61524D3377}"/>
               </a:ext>
             </a:extLst>
           </p:cNvPr>
@@ -3338,27 +3343,141 @@
           <p:nvPr/>
         </p:nvPicPr>
         <p:blipFill>
-          <a:blip r:embed="rId2"/>
+          <a:blip r:embed="rId2">
+            <a:extLst>
+              <a:ext uri="{28A0092B-C50C-407E-A947-70E740481C1C}">
+                <a14:useLocalDpi xmlns:a14="http://schemas.microsoft.com/office/drawing/2010/main" val="0"/>
+              </a:ext>
+            </a:extLst>
+          </a:blip>
           <a:stretch>
             <a:fillRect/>
           </a:stretch>
         </p:blipFill>
         <p:spPr>
           <a:xfrm>
-            <a:off x="495414" y="1220375"/>
-            <a:ext cx="5619624" cy="4214718"/>
+            <a:off x="312414" y="3429000"/>
+            <a:ext cx="3865886" cy="2899415"/>
           </a:xfrm>
           <a:prstGeom prst="rect">
             <a:avLst/>
           </a:prstGeom>
         </p:spPr>
       </p:pic>
-      <p:sp>
-        <p:nvSpPr>
-          <p:cNvPr id="8" name="文本框 7">
-            <a:extLst>
-              <a:ext uri="{FF2B5EF4-FFF2-40B4-BE49-F238E27FC236}">
-                <a16:creationId xmlns:a16="http://schemas.microsoft.com/office/drawing/2014/main" id="{B86B57ED-322D-46C8-9C36-80F59E8EA54E}"/>
+      <p:pic>
+        <p:nvPicPr>
+          <p:cNvPr id="7" name="图片 6">
+            <a:extLst>
+              <a:ext uri="{FF2B5EF4-FFF2-40B4-BE49-F238E27FC236}">
+                <a16:creationId xmlns:a16="http://schemas.microsoft.com/office/drawing/2014/main" id="{F6BF6B5F-B3C2-485B-9E4A-3DEAFD08ABA3}"/>
+              </a:ext>
+            </a:extLst>
+          </p:cNvPr>
+          <p:cNvPicPr>
+            <a:picLocks noChangeAspect="1"/>
+          </p:cNvPicPr>
+          <p:nvPr/>
+        </p:nvPicPr>
+        <p:blipFill>
+          <a:blip r:embed="rId3">
+            <a:extLst>
+              <a:ext uri="{28A0092B-C50C-407E-A947-70E740481C1C}">
+                <a14:useLocalDpi xmlns:a14="http://schemas.microsoft.com/office/drawing/2010/main" val="0"/>
+              </a:ext>
+            </a:extLst>
+          </a:blip>
+          <a:stretch>
+            <a:fillRect/>
+          </a:stretch>
+        </p:blipFill>
+        <p:spPr>
+          <a:xfrm>
+            <a:off x="4541514" y="3429000"/>
+            <a:ext cx="3865886" cy="2899415"/>
+          </a:xfrm>
+          <a:prstGeom prst="rect">
+            <a:avLst/>
+          </a:prstGeom>
+        </p:spPr>
+      </p:pic>
+      <p:pic>
+        <p:nvPicPr>
+          <p:cNvPr id="11" name="图片 10">
+            <a:extLst>
+              <a:ext uri="{FF2B5EF4-FFF2-40B4-BE49-F238E27FC236}">
+                <a16:creationId xmlns:a16="http://schemas.microsoft.com/office/drawing/2014/main" id="{39E829D0-575E-4156-8335-C77BBFBD6D70}"/>
+              </a:ext>
+            </a:extLst>
+          </p:cNvPr>
+          <p:cNvPicPr>
+            <a:picLocks noChangeAspect="1"/>
+          </p:cNvPicPr>
+          <p:nvPr/>
+        </p:nvPicPr>
+        <p:blipFill>
+          <a:blip r:embed="rId4">
+            <a:extLst>
+              <a:ext uri="{28A0092B-C50C-407E-A947-70E740481C1C}">
+                <a14:useLocalDpi xmlns:a14="http://schemas.microsoft.com/office/drawing/2010/main" val="0"/>
+              </a:ext>
+            </a:extLst>
+          </a:blip>
+          <a:stretch>
+            <a:fillRect/>
+          </a:stretch>
+        </p:blipFill>
+        <p:spPr>
+          <a:xfrm>
+            <a:off x="312414" y="485133"/>
+            <a:ext cx="3865886" cy="2899415"/>
+          </a:xfrm>
+          <a:prstGeom prst="rect">
+            <a:avLst/>
+          </a:prstGeom>
+        </p:spPr>
+      </p:pic>
+      <p:pic>
+        <p:nvPicPr>
+          <p:cNvPr id="13" name="图片 12">
+            <a:extLst>
+              <a:ext uri="{FF2B5EF4-FFF2-40B4-BE49-F238E27FC236}">
+                <a16:creationId xmlns:a16="http://schemas.microsoft.com/office/drawing/2014/main" id="{FB3ED91F-EAFE-4C04-8877-971C5F3E5E68}"/>
+              </a:ext>
+            </a:extLst>
+          </p:cNvPr>
+          <p:cNvPicPr>
+            <a:picLocks noChangeAspect="1"/>
+          </p:cNvPicPr>
+          <p:nvPr/>
+        </p:nvPicPr>
+        <p:blipFill>
+          <a:blip r:embed="rId5">
+            <a:extLst>
+              <a:ext uri="{28A0092B-C50C-407E-A947-70E740481C1C}">
+                <a14:useLocalDpi xmlns:a14="http://schemas.microsoft.com/office/drawing/2010/main" val="0"/>
+              </a:ext>
+            </a:extLst>
+          </a:blip>
+          <a:stretch>
+            <a:fillRect/>
+          </a:stretch>
+        </p:blipFill>
+        <p:spPr>
+          <a:xfrm>
+            <a:off x="4541514" y="485133"/>
+            <a:ext cx="3865886" cy="2899415"/>
+          </a:xfrm>
+          <a:prstGeom prst="rect">
+            <a:avLst/>
+          </a:prstGeom>
+        </p:spPr>
+      </p:pic>
+      <p:sp>
+        <p:nvSpPr>
+          <p:cNvPr id="14" name="文本框 13">
+            <a:extLst>
+              <a:ext uri="{FF2B5EF4-FFF2-40B4-BE49-F238E27FC236}">
+                <a16:creationId xmlns:a16="http://schemas.microsoft.com/office/drawing/2014/main" id="{940757ED-5B3D-4D7D-A997-DDBD9FC551C3}"/>
               </a:ext>
             </a:extLst>
           </p:cNvPr>
@@ -3367,8 +3486,8 @@
         </p:nvSpPr>
         <p:spPr>
           <a:xfrm>
-            <a:off x="545518" y="294362"/>
-            <a:ext cx="1241045" cy="369332"/>
+            <a:off x="9017000" y="711200"/>
+            <a:ext cx="1805302" cy="2031325"/>
           </a:xfrm>
           <a:prstGeom prst="rect">
             <a:avLst/>
@@ -3383,42 +3502,55 @@
           <a:p>
             <a:r>
               <a:rPr lang="en-US" altLang="zh-CN" dirty="0"/>
-              <a:t>Prada2013</a:t>
-            </a:r>
+              <a:t>27</a:t>
+            </a:r>
+            <a:r>
+              <a:rPr lang="zh-CN" altLang="en-US" dirty="0"/>
+              <a:t>组参数</a:t>
+            </a:r>
+            <a:endParaRPr lang="en-US" altLang="zh-CN" dirty="0"/>
+          </a:p>
+          <a:p>
+            <a:r>
+              <a:rPr lang="en-US" altLang="zh-CN" dirty="0"/>
+              <a:t>GA</a:t>
+            </a:r>
+            <a:r>
+              <a:rPr lang="zh-CN" altLang="en-US" dirty="0"/>
+              <a:t>：</a:t>
+            </a:r>
+            <a:endParaRPr lang="en-US" altLang="zh-CN" dirty="0"/>
+          </a:p>
+          <a:p>
+            <a:r>
+              <a:rPr lang="en-US" altLang="zh-CN" dirty="0"/>
+              <a:t>Generations 200</a:t>
+            </a:r>
+          </a:p>
+          <a:p>
+            <a:r>
+              <a:rPr lang="en-US" altLang="zh-CN" dirty="0"/>
+              <a:t>Sol 40</a:t>
+            </a:r>
+          </a:p>
+          <a:p>
+            <a:r>
+              <a:rPr lang="en-US" altLang="zh-CN" dirty="0"/>
+              <a:t>Parents 20</a:t>
+            </a:r>
+          </a:p>
+          <a:p>
+            <a:r>
+              <a:rPr lang="zh-CN" altLang="en-US" dirty="0"/>
+              <a:t>未归一化</a:t>
+            </a:r>
+            <a:endParaRPr lang="en-US" altLang="zh-CN" dirty="0"/>
+          </a:p>
+          <a:p>
             <a:endParaRPr lang="zh-CN" altLang="en-US" dirty="0"/>
           </a:p>
         </p:txBody>
       </p:sp>
-      <p:pic>
-        <p:nvPicPr>
-          <p:cNvPr id="9" name="图片 8">
-            <a:extLst>
-              <a:ext uri="{FF2B5EF4-FFF2-40B4-BE49-F238E27FC236}">
-                <a16:creationId xmlns:a16="http://schemas.microsoft.com/office/drawing/2014/main" id="{8A2A250B-7979-426C-AE7E-D0E89D712B08}"/>
-              </a:ext>
-            </a:extLst>
-          </p:cNvPr>
-          <p:cNvPicPr>
-            <a:picLocks noChangeAspect="1"/>
-          </p:cNvPicPr>
-          <p:nvPr/>
-        </p:nvPicPr>
-        <p:blipFill>
-          <a:blip r:embed="rId3"/>
-          <a:stretch>
-            <a:fillRect/>
-          </a:stretch>
-        </p:blipFill>
-        <p:spPr>
-          <a:xfrm>
-            <a:off x="6520362" y="1308969"/>
-            <a:ext cx="5215681" cy="3911761"/>
-          </a:xfrm>
-          <a:prstGeom prst="rect">
-            <a:avLst/>
-          </a:prstGeom>
-        </p:spPr>
-      </p:pic>
     </p:spTree>
     <p:extLst>
       <p:ext uri="{BB962C8B-B14F-4D97-AF65-F5344CB8AC3E}">
@@ -3449,152 +3581,6 @@
           <a:chExt cx="0" cy="0"/>
         </a:xfrm>
       </p:grpSpPr>
-      <p:pic>
-        <p:nvPicPr>
-          <p:cNvPr id="3" name="图片 2">
-            <a:extLst>
-              <a:ext uri="{FF2B5EF4-FFF2-40B4-BE49-F238E27FC236}">
-                <a16:creationId xmlns:a16="http://schemas.microsoft.com/office/drawing/2014/main" id="{E85366E5-FAF4-4CFD-9BBE-C1FDCEE5D1AF}"/>
-              </a:ext>
-            </a:extLst>
-          </p:cNvPr>
-          <p:cNvPicPr>
-            <a:picLocks noChangeAspect="1"/>
-          </p:cNvPicPr>
-          <p:nvPr/>
-        </p:nvPicPr>
-        <p:blipFill>
-          <a:blip r:embed="rId2"/>
-          <a:stretch>
-            <a:fillRect/>
-          </a:stretch>
-        </p:blipFill>
-        <p:spPr>
-          <a:xfrm>
-            <a:off x="279749" y="1474940"/>
-            <a:ext cx="5438383" cy="4078787"/>
-          </a:xfrm>
-          <a:prstGeom prst="rect">
-            <a:avLst/>
-          </a:prstGeom>
-        </p:spPr>
-      </p:pic>
-      <p:sp>
-        <p:nvSpPr>
-          <p:cNvPr id="8" name="文本框 7">
-            <a:extLst>
-              <a:ext uri="{FF2B5EF4-FFF2-40B4-BE49-F238E27FC236}">
-                <a16:creationId xmlns:a16="http://schemas.microsoft.com/office/drawing/2014/main" id="{FAF81B5C-AD86-49D7-AEF0-D7E943A41063}"/>
-              </a:ext>
-            </a:extLst>
-          </p:cNvPr>
-          <p:cNvSpPr txBox="1"/>
-          <p:nvPr/>
-        </p:nvSpPr>
-        <p:spPr>
-          <a:xfrm>
-            <a:off x="111168" y="183518"/>
-            <a:ext cx="6097044" cy="646331"/>
-          </a:xfrm>
-          <a:prstGeom prst="rect">
-            <a:avLst/>
-          </a:prstGeom>
-          <a:noFill/>
-        </p:spPr>
-        <p:txBody>
-          <a:bodyPr wrap="square">
-            <a:spAutoFit/>
-          </a:bodyPr>
-          <a:lstStyle/>
-          <a:p>
-            <a:r>
-              <a:rPr lang="en-US" altLang="zh-CN" dirty="0" err="1"/>
-              <a:t>min_param</a:t>
-            </a:r>
-            <a:r>
-              <a:rPr lang="en-US" altLang="zh-CN" dirty="0"/>
-              <a:t> = 0.5</a:t>
-            </a:r>
-          </a:p>
-          <a:p>
-            <a:r>
-              <a:rPr lang="en-US" altLang="zh-CN" dirty="0" err="1"/>
-              <a:t>max_param</a:t>
-            </a:r>
-            <a:r>
-              <a:rPr lang="en-US" altLang="zh-CN" dirty="0"/>
-              <a:t> = 0.7</a:t>
-            </a:r>
-            <a:endParaRPr lang="zh-CN" altLang="en-US" dirty="0"/>
-          </a:p>
-        </p:txBody>
-      </p:sp>
-      <p:pic>
-        <p:nvPicPr>
-          <p:cNvPr id="9" name="图片 8">
-            <a:extLst>
-              <a:ext uri="{FF2B5EF4-FFF2-40B4-BE49-F238E27FC236}">
-                <a16:creationId xmlns:a16="http://schemas.microsoft.com/office/drawing/2014/main" id="{E0CEC05B-A6C0-4EA1-9976-B7FC1A776296}"/>
-              </a:ext>
-            </a:extLst>
-          </p:cNvPr>
-          <p:cNvPicPr>
-            <a:picLocks noChangeAspect="1"/>
-          </p:cNvPicPr>
-          <p:nvPr/>
-        </p:nvPicPr>
-        <p:blipFill>
-          <a:blip r:embed="rId3"/>
-          <a:stretch>
-            <a:fillRect/>
-          </a:stretch>
-        </p:blipFill>
-        <p:spPr>
-          <a:xfrm>
-            <a:off x="5912285" y="1478072"/>
-            <a:ext cx="5670114" cy="4252585"/>
-          </a:xfrm>
-          <a:prstGeom prst="rect">
-            <a:avLst/>
-          </a:prstGeom>
-        </p:spPr>
-      </p:pic>
-      <p:sp>
-        <p:nvSpPr>
-          <p:cNvPr id="10" name="文本框 9">
-            <a:extLst>
-              <a:ext uri="{FF2B5EF4-FFF2-40B4-BE49-F238E27FC236}">
-                <a16:creationId xmlns:a16="http://schemas.microsoft.com/office/drawing/2014/main" id="{873823B8-A0EF-4045-B7EF-BDBCB5D36B52}"/>
-              </a:ext>
-            </a:extLst>
-          </p:cNvPr>
-          <p:cNvSpPr txBox="1"/>
-          <p:nvPr/>
-        </p:nvSpPr>
-        <p:spPr>
-          <a:xfrm>
-            <a:off x="111168" y="934941"/>
-            <a:ext cx="1186543" cy="369332"/>
-          </a:xfrm>
-          <a:prstGeom prst="rect">
-            <a:avLst/>
-          </a:prstGeom>
-          <a:noFill/>
-        </p:spPr>
-        <p:txBody>
-          <a:bodyPr wrap="none" rtlCol="0">
-            <a:spAutoFit/>
-          </a:bodyPr>
-          <a:lstStyle/>
-          <a:p>
-            <a:r>
-              <a:rPr lang="en-US" altLang="zh-CN" dirty="0"/>
-              <a:t>Chen2020</a:t>
-            </a:r>
-            <a:endParaRPr lang="zh-CN" altLang="en-US" dirty="0"/>
-          </a:p>
-        </p:txBody>
-      </p:sp>
     </p:spTree>
     <p:extLst>
       <p:ext uri="{BB962C8B-B14F-4D97-AF65-F5344CB8AC3E}">
@@ -3625,79 +3611,6 @@
           <a:chExt cx="0" cy="0"/>
         </a:xfrm>
       </p:grpSpPr>
-      <p:sp>
-        <p:nvSpPr>
-          <p:cNvPr id="7" name="文本框 6">
-            <a:extLst>
-              <a:ext uri="{FF2B5EF4-FFF2-40B4-BE49-F238E27FC236}">
-                <a16:creationId xmlns:a16="http://schemas.microsoft.com/office/drawing/2014/main" id="{ABD4FE2E-1ED3-4CA4-9300-6E91B6041E70}"/>
-              </a:ext>
-            </a:extLst>
-          </p:cNvPr>
-          <p:cNvSpPr txBox="1"/>
-          <p:nvPr/>
-        </p:nvSpPr>
-        <p:spPr>
-          <a:xfrm>
-            <a:off x="336638" y="643044"/>
-            <a:ext cx="6097044" cy="1477328"/>
-          </a:xfrm>
-          <a:prstGeom prst="rect">
-            <a:avLst/>
-          </a:prstGeom>
-          <a:noFill/>
-        </p:spPr>
-        <p:txBody>
-          <a:bodyPr wrap="square">
-            <a:spAutoFit/>
-          </a:bodyPr>
-          <a:lstStyle/>
-          <a:p>
-            <a:r>
-              <a:rPr lang="en-US" altLang="zh-CN" dirty="0"/>
-              <a:t>Questions</a:t>
-            </a:r>
-            <a:endParaRPr lang="zh-CN" altLang="en-US" dirty="0"/>
-          </a:p>
-          <a:p>
-            <a:r>
-              <a:rPr lang="zh-CN" altLang="en-US" dirty="0"/>
-              <a:t>1.影响电压曲线的关键变量</a:t>
-            </a:r>
-            <a:endParaRPr lang="en-US" altLang="zh-CN" dirty="0"/>
-          </a:p>
-          <a:p>
-            <a:r>
-              <a:rPr lang="en-US" altLang="zh-CN" dirty="0"/>
-              <a:t>2.</a:t>
-            </a:r>
-            <a:r>
-              <a:rPr lang="zh-CN" altLang="en-US" dirty="0"/>
-              <a:t>截止电压大小？</a:t>
-            </a:r>
-          </a:p>
-          <a:p>
-            <a:r>
-              <a:rPr lang="en-US" altLang="zh-CN" dirty="0"/>
-              <a:t>3</a:t>
-            </a:r>
-            <a:r>
-              <a:rPr lang="zh-CN" altLang="en-US" dirty="0"/>
-              <a:t>.直接套用现成的工具还是自己写公式进行计算</a:t>
-            </a:r>
-          </a:p>
-          <a:p>
-            <a:r>
-              <a:rPr lang="en-US" altLang="zh-CN" dirty="0"/>
-              <a:t>4</a:t>
-            </a:r>
-            <a:r>
-              <a:rPr lang="zh-CN" altLang="en-US" dirty="0"/>
-              <a:t>.大容量电池参数设置？调参策略？</a:t>
-            </a:r>
-          </a:p>
-        </p:txBody>
-      </p:sp>
     </p:spTree>
     <p:extLst>
       <p:ext uri="{BB962C8B-B14F-4D97-AF65-F5344CB8AC3E}">

--- a/Identification.pptx
+++ b/Identification.pptx
@@ -5,9 +5,13 @@
     <p:sldMasterId id="2147483648" r:id="rId1"/>
   </p:sldMasterIdLst>
   <p:sldIdLst>
-    <p:sldId id="256" r:id="rId2"/>
-    <p:sldId id="257" r:id="rId3"/>
-    <p:sldId id="258" r:id="rId4"/>
+    <p:sldId id="259" r:id="rId2"/>
+    <p:sldId id="256" r:id="rId3"/>
+    <p:sldId id="257" r:id="rId4"/>
+    <p:sldId id="258" r:id="rId5"/>
+    <p:sldId id="262" r:id="rId6"/>
+    <p:sldId id="260" r:id="rId7"/>
+    <p:sldId id="261" r:id="rId8"/>
   </p:sldIdLst>
   <p:sldSz cx="12192000" cy="6858000"/>
   <p:notesSz cx="6858000" cy="9144000"/>
@@ -261,7 +265,7 @@
           <a:p>
             <a:fld id="{9BC745BD-0600-4004-851E-D21008629570}" type="datetimeFigureOut">
               <a:rPr lang="zh-CN" altLang="en-US" smtClean="0"/>
-              <a:t>2024/9/19</a:t>
+              <a:t>2024/10/29</a:t>
             </a:fld>
             <a:endParaRPr lang="zh-CN" altLang="en-US"/>
           </a:p>
@@ -459,7 +463,7 @@
           <a:p>
             <a:fld id="{9BC745BD-0600-4004-851E-D21008629570}" type="datetimeFigureOut">
               <a:rPr lang="zh-CN" altLang="en-US" smtClean="0"/>
-              <a:t>2024/9/19</a:t>
+              <a:t>2024/10/29</a:t>
             </a:fld>
             <a:endParaRPr lang="zh-CN" altLang="en-US"/>
           </a:p>
@@ -667,7 +671,7 @@
           <a:p>
             <a:fld id="{9BC745BD-0600-4004-851E-D21008629570}" type="datetimeFigureOut">
               <a:rPr lang="zh-CN" altLang="en-US" smtClean="0"/>
-              <a:t>2024/9/19</a:t>
+              <a:t>2024/10/29</a:t>
             </a:fld>
             <a:endParaRPr lang="zh-CN" altLang="en-US"/>
           </a:p>
@@ -865,7 +869,7 @@
           <a:p>
             <a:fld id="{9BC745BD-0600-4004-851E-D21008629570}" type="datetimeFigureOut">
               <a:rPr lang="zh-CN" altLang="en-US" smtClean="0"/>
-              <a:t>2024/9/19</a:t>
+              <a:t>2024/10/29</a:t>
             </a:fld>
             <a:endParaRPr lang="zh-CN" altLang="en-US"/>
           </a:p>
@@ -1140,7 +1144,7 @@
           <a:p>
             <a:fld id="{9BC745BD-0600-4004-851E-D21008629570}" type="datetimeFigureOut">
               <a:rPr lang="zh-CN" altLang="en-US" smtClean="0"/>
-              <a:t>2024/9/19</a:t>
+              <a:t>2024/10/29</a:t>
             </a:fld>
             <a:endParaRPr lang="zh-CN" altLang="en-US"/>
           </a:p>
@@ -1405,7 +1409,7 @@
           <a:p>
             <a:fld id="{9BC745BD-0600-4004-851E-D21008629570}" type="datetimeFigureOut">
               <a:rPr lang="zh-CN" altLang="en-US" smtClean="0"/>
-              <a:t>2024/9/19</a:t>
+              <a:t>2024/10/29</a:t>
             </a:fld>
             <a:endParaRPr lang="zh-CN" altLang="en-US"/>
           </a:p>
@@ -1817,7 +1821,7 @@
           <a:p>
             <a:fld id="{9BC745BD-0600-4004-851E-D21008629570}" type="datetimeFigureOut">
               <a:rPr lang="zh-CN" altLang="en-US" smtClean="0"/>
-              <a:t>2024/9/19</a:t>
+              <a:t>2024/10/29</a:t>
             </a:fld>
             <a:endParaRPr lang="zh-CN" altLang="en-US"/>
           </a:p>
@@ -1958,7 +1962,7 @@
           <a:p>
             <a:fld id="{9BC745BD-0600-4004-851E-D21008629570}" type="datetimeFigureOut">
               <a:rPr lang="zh-CN" altLang="en-US" smtClean="0"/>
-              <a:t>2024/9/19</a:t>
+              <a:t>2024/10/29</a:t>
             </a:fld>
             <a:endParaRPr lang="zh-CN" altLang="en-US"/>
           </a:p>
@@ -2071,7 +2075,7 @@
           <a:p>
             <a:fld id="{9BC745BD-0600-4004-851E-D21008629570}" type="datetimeFigureOut">
               <a:rPr lang="zh-CN" altLang="en-US" smtClean="0"/>
-              <a:t>2024/9/19</a:t>
+              <a:t>2024/10/29</a:t>
             </a:fld>
             <a:endParaRPr lang="zh-CN" altLang="en-US"/>
           </a:p>
@@ -2382,7 +2386,7 @@
           <a:p>
             <a:fld id="{9BC745BD-0600-4004-851E-D21008629570}" type="datetimeFigureOut">
               <a:rPr lang="zh-CN" altLang="en-US" smtClean="0"/>
-              <a:t>2024/9/19</a:t>
+              <a:t>2024/10/29</a:t>
             </a:fld>
             <a:endParaRPr lang="zh-CN" altLang="en-US"/>
           </a:p>
@@ -2670,7 +2674,7 @@
           <a:p>
             <a:fld id="{9BC745BD-0600-4004-851E-D21008629570}" type="datetimeFigureOut">
               <a:rPr lang="zh-CN" altLang="en-US" smtClean="0"/>
-              <a:t>2024/9/19</a:t>
+              <a:t>2024/10/29</a:t>
             </a:fld>
             <a:endParaRPr lang="zh-CN" altLang="en-US"/>
           </a:p>
@@ -2911,7 +2915,7 @@
           <a:p>
             <a:fld id="{9BC745BD-0600-4004-851E-D21008629570}" type="datetimeFigureOut">
               <a:rPr lang="zh-CN" altLang="en-US" smtClean="0"/>
-              <a:t>2024/9/19</a:t>
+              <a:t>2024/10/29</a:t>
             </a:fld>
             <a:endParaRPr lang="zh-CN" altLang="en-US"/>
           </a:p>
@@ -3330,10 +3334,10 @@
       </p:grpSpPr>
       <p:pic>
         <p:nvPicPr>
-          <p:cNvPr id="5" name="图片 4">
-            <a:extLst>
-              <a:ext uri="{FF2B5EF4-FFF2-40B4-BE49-F238E27FC236}">
-                <a16:creationId xmlns:a16="http://schemas.microsoft.com/office/drawing/2014/main" id="{6ACD08D7-00DB-4751-A210-9A61524D3377}"/>
+          <p:cNvPr id="2" name="图片 1">
+            <a:extLst>
+              <a:ext uri="{FF2B5EF4-FFF2-40B4-BE49-F238E27FC236}">
+                <a16:creationId xmlns:a16="http://schemas.microsoft.com/office/drawing/2014/main" id="{392E5F74-1552-436A-AF59-84C7E33FF0AF}"/>
               </a:ext>
             </a:extLst>
           </p:cNvPr>
@@ -3343,141 +3347,27 @@
           <p:nvPr/>
         </p:nvPicPr>
         <p:blipFill>
-          <a:blip r:embed="rId2">
-            <a:extLst>
-              <a:ext uri="{28A0092B-C50C-407E-A947-70E740481C1C}">
-                <a14:useLocalDpi xmlns:a14="http://schemas.microsoft.com/office/drawing/2010/main" val="0"/>
-              </a:ext>
-            </a:extLst>
-          </a:blip>
+          <a:blip r:embed="rId2"/>
           <a:stretch>
             <a:fillRect/>
           </a:stretch>
         </p:blipFill>
         <p:spPr>
           <a:xfrm>
-            <a:off x="312414" y="3429000"/>
-            <a:ext cx="3865886" cy="2899415"/>
+            <a:off x="1026197" y="2281189"/>
+            <a:ext cx="5158423" cy="2222555"/>
           </a:xfrm>
           <a:prstGeom prst="rect">
             <a:avLst/>
           </a:prstGeom>
         </p:spPr>
       </p:pic>
-      <p:pic>
-        <p:nvPicPr>
-          <p:cNvPr id="7" name="图片 6">
-            <a:extLst>
-              <a:ext uri="{FF2B5EF4-FFF2-40B4-BE49-F238E27FC236}">
-                <a16:creationId xmlns:a16="http://schemas.microsoft.com/office/drawing/2014/main" id="{F6BF6B5F-B3C2-485B-9E4A-3DEAFD08ABA3}"/>
-              </a:ext>
-            </a:extLst>
-          </p:cNvPr>
-          <p:cNvPicPr>
-            <a:picLocks noChangeAspect="1"/>
-          </p:cNvPicPr>
-          <p:nvPr/>
-        </p:nvPicPr>
-        <p:blipFill>
-          <a:blip r:embed="rId3">
-            <a:extLst>
-              <a:ext uri="{28A0092B-C50C-407E-A947-70E740481C1C}">
-                <a14:useLocalDpi xmlns:a14="http://schemas.microsoft.com/office/drawing/2010/main" val="0"/>
-              </a:ext>
-            </a:extLst>
-          </a:blip>
-          <a:stretch>
-            <a:fillRect/>
-          </a:stretch>
-        </p:blipFill>
-        <p:spPr>
-          <a:xfrm>
-            <a:off x="4541514" y="3429000"/>
-            <a:ext cx="3865886" cy="2899415"/>
-          </a:xfrm>
-          <a:prstGeom prst="rect">
-            <a:avLst/>
-          </a:prstGeom>
-        </p:spPr>
-      </p:pic>
-      <p:pic>
-        <p:nvPicPr>
-          <p:cNvPr id="11" name="图片 10">
-            <a:extLst>
-              <a:ext uri="{FF2B5EF4-FFF2-40B4-BE49-F238E27FC236}">
-                <a16:creationId xmlns:a16="http://schemas.microsoft.com/office/drawing/2014/main" id="{39E829D0-575E-4156-8335-C77BBFBD6D70}"/>
-              </a:ext>
-            </a:extLst>
-          </p:cNvPr>
-          <p:cNvPicPr>
-            <a:picLocks noChangeAspect="1"/>
-          </p:cNvPicPr>
-          <p:nvPr/>
-        </p:nvPicPr>
-        <p:blipFill>
-          <a:blip r:embed="rId4">
-            <a:extLst>
-              <a:ext uri="{28A0092B-C50C-407E-A947-70E740481C1C}">
-                <a14:useLocalDpi xmlns:a14="http://schemas.microsoft.com/office/drawing/2010/main" val="0"/>
-              </a:ext>
-            </a:extLst>
-          </a:blip>
-          <a:stretch>
-            <a:fillRect/>
-          </a:stretch>
-        </p:blipFill>
-        <p:spPr>
-          <a:xfrm>
-            <a:off x="312414" y="485133"/>
-            <a:ext cx="3865886" cy="2899415"/>
-          </a:xfrm>
-          <a:prstGeom prst="rect">
-            <a:avLst/>
-          </a:prstGeom>
-        </p:spPr>
-      </p:pic>
-      <p:pic>
-        <p:nvPicPr>
-          <p:cNvPr id="13" name="图片 12">
-            <a:extLst>
-              <a:ext uri="{FF2B5EF4-FFF2-40B4-BE49-F238E27FC236}">
-                <a16:creationId xmlns:a16="http://schemas.microsoft.com/office/drawing/2014/main" id="{FB3ED91F-EAFE-4C04-8877-971C5F3E5E68}"/>
-              </a:ext>
-            </a:extLst>
-          </p:cNvPr>
-          <p:cNvPicPr>
-            <a:picLocks noChangeAspect="1"/>
-          </p:cNvPicPr>
-          <p:nvPr/>
-        </p:nvPicPr>
-        <p:blipFill>
-          <a:blip r:embed="rId5">
-            <a:extLst>
-              <a:ext uri="{28A0092B-C50C-407E-A947-70E740481C1C}">
-                <a14:useLocalDpi xmlns:a14="http://schemas.microsoft.com/office/drawing/2010/main" val="0"/>
-              </a:ext>
-            </a:extLst>
-          </a:blip>
-          <a:stretch>
-            <a:fillRect/>
-          </a:stretch>
-        </p:blipFill>
-        <p:spPr>
-          <a:xfrm>
-            <a:off x="4541514" y="485133"/>
-            <a:ext cx="3865886" cy="2899415"/>
-          </a:xfrm>
-          <a:prstGeom prst="rect">
-            <a:avLst/>
-          </a:prstGeom>
-        </p:spPr>
-      </p:pic>
-      <p:sp>
-        <p:nvSpPr>
-          <p:cNvPr id="14" name="文本框 13">
-            <a:extLst>
-              <a:ext uri="{FF2B5EF4-FFF2-40B4-BE49-F238E27FC236}">
-                <a16:creationId xmlns:a16="http://schemas.microsoft.com/office/drawing/2014/main" id="{940757ED-5B3D-4D7D-A997-DDBD9FC551C3}"/>
+      <p:sp>
+        <p:nvSpPr>
+          <p:cNvPr id="3" name="文本框 2">
+            <a:extLst>
+              <a:ext uri="{FF2B5EF4-FFF2-40B4-BE49-F238E27FC236}">
+                <a16:creationId xmlns:a16="http://schemas.microsoft.com/office/drawing/2014/main" id="{BAE6B3AF-1FF3-40CC-8B66-83629E787638}"/>
               </a:ext>
             </a:extLst>
           </p:cNvPr>
@@ -3486,8 +3376,8 @@
         </p:nvSpPr>
         <p:spPr>
           <a:xfrm>
-            <a:off x="9017000" y="711200"/>
-            <a:ext cx="1805302" cy="2031325"/>
+            <a:off x="2817419" y="1816911"/>
+            <a:ext cx="1107996" cy="369332"/>
           </a:xfrm>
           <a:prstGeom prst="rect">
             <a:avLst/>
@@ -3501,60 +3391,505 @@
           <a:lstStyle/>
           <a:p>
             <a:r>
+              <a:rPr lang="zh-CN" altLang="en-US" dirty="0"/>
+              <a:t>参数筛选</a:t>
+            </a:r>
+          </a:p>
+        </p:txBody>
+      </p:sp>
+      <p:sp>
+        <p:nvSpPr>
+          <p:cNvPr id="4" name="矩形 3">
+            <a:extLst>
+              <a:ext uri="{FF2B5EF4-FFF2-40B4-BE49-F238E27FC236}">
+                <a16:creationId xmlns:a16="http://schemas.microsoft.com/office/drawing/2014/main" id="{9ABD9046-1607-4D75-8ACF-CC2DBBD773DC}"/>
+              </a:ext>
+            </a:extLst>
+          </p:cNvPr>
+          <p:cNvSpPr/>
+          <p:nvPr/>
+        </p:nvSpPr>
+        <p:spPr>
+          <a:xfrm>
+            <a:off x="7415409" y="1139869"/>
+            <a:ext cx="2693096" cy="444674"/>
+          </a:xfrm>
+          <a:prstGeom prst="rect">
+            <a:avLst/>
+          </a:prstGeom>
+        </p:spPr>
+        <p:style>
+          <a:lnRef idx="2">
+            <a:schemeClr val="accent1">
+              <a:shade val="50000"/>
+            </a:schemeClr>
+          </a:lnRef>
+          <a:fillRef idx="1">
+            <a:schemeClr val="accent1"/>
+          </a:fillRef>
+          <a:effectRef idx="0">
+            <a:schemeClr val="accent1"/>
+          </a:effectRef>
+          <a:fontRef idx="minor">
+            <a:schemeClr val="lt1"/>
+          </a:fontRef>
+        </p:style>
+        <p:txBody>
+          <a:bodyPr rtlCol="0" anchor="ctr"/>
+          <a:lstStyle/>
+          <a:p>
+            <a:pPr algn="ctr"/>
+            <a:r>
+              <a:rPr lang="zh-CN" altLang="en-US" dirty="0"/>
+              <a:t>参数更新</a:t>
+            </a:r>
+            <a:r>
               <a:rPr lang="en-US" altLang="zh-CN" dirty="0"/>
-              <a:t>27</a:t>
-            </a:r>
+              <a:t>-</a:t>
+            </a:r>
+            <a:r>
+              <a:rPr lang="en-US" altLang="zh-CN" dirty="0" err="1"/>
+              <a:t>Pybamm</a:t>
+            </a:r>
+            <a:endParaRPr lang="zh-CN" altLang="en-US" dirty="0"/>
+          </a:p>
+        </p:txBody>
+      </p:sp>
+      <p:sp>
+        <p:nvSpPr>
+          <p:cNvPr id="5" name="矩形 4">
+            <a:extLst>
+              <a:ext uri="{FF2B5EF4-FFF2-40B4-BE49-F238E27FC236}">
+                <a16:creationId xmlns:a16="http://schemas.microsoft.com/office/drawing/2014/main" id="{E8BE5215-DD67-4AFE-BF54-662C6DA11213}"/>
+              </a:ext>
+            </a:extLst>
+          </p:cNvPr>
+          <p:cNvSpPr/>
+          <p:nvPr/>
+        </p:nvSpPr>
+        <p:spPr>
+          <a:xfrm>
+            <a:off x="7415409" y="2043831"/>
+            <a:ext cx="2693096" cy="444674"/>
+          </a:xfrm>
+          <a:prstGeom prst="rect">
+            <a:avLst/>
+          </a:prstGeom>
+        </p:spPr>
+        <p:style>
+          <a:lnRef idx="2">
+            <a:schemeClr val="accent1">
+              <a:shade val="50000"/>
+            </a:schemeClr>
+          </a:lnRef>
+          <a:fillRef idx="1">
+            <a:schemeClr val="accent1"/>
+          </a:fillRef>
+          <a:effectRef idx="0">
+            <a:schemeClr val="accent1"/>
+          </a:effectRef>
+          <a:fontRef idx="minor">
+            <a:schemeClr val="lt1"/>
+          </a:fontRef>
+        </p:style>
+        <p:txBody>
+          <a:bodyPr rtlCol="0" anchor="ctr"/>
+          <a:lstStyle/>
+          <a:p>
+            <a:pPr algn="ctr"/>
             <a:r>
               <a:rPr lang="zh-CN" altLang="en-US" dirty="0"/>
-              <a:t>组参数</a:t>
-            </a:r>
-            <a:endParaRPr lang="en-US" altLang="zh-CN" dirty="0"/>
-          </a:p>
-          <a:p>
+              <a:t>设计目标函数</a:t>
+            </a:r>
+          </a:p>
+        </p:txBody>
+      </p:sp>
+      <p:sp>
+        <p:nvSpPr>
+          <p:cNvPr id="6" name="矩形 5">
+            <a:extLst>
+              <a:ext uri="{FF2B5EF4-FFF2-40B4-BE49-F238E27FC236}">
+                <a16:creationId xmlns:a16="http://schemas.microsoft.com/office/drawing/2014/main" id="{2634EA18-CE52-48F0-B8E0-75C1E593E20E}"/>
+              </a:ext>
+            </a:extLst>
+          </p:cNvPr>
+          <p:cNvSpPr/>
+          <p:nvPr/>
+        </p:nvSpPr>
+        <p:spPr>
+          <a:xfrm>
+            <a:off x="7415409" y="2947793"/>
+            <a:ext cx="2693096" cy="444674"/>
+          </a:xfrm>
+          <a:prstGeom prst="rect">
+            <a:avLst/>
+          </a:prstGeom>
+        </p:spPr>
+        <p:style>
+          <a:lnRef idx="2">
+            <a:schemeClr val="accent1">
+              <a:shade val="50000"/>
+            </a:schemeClr>
+          </a:lnRef>
+          <a:fillRef idx="1">
+            <a:schemeClr val="accent1"/>
+          </a:fillRef>
+          <a:effectRef idx="0">
+            <a:schemeClr val="accent1"/>
+          </a:effectRef>
+          <a:fontRef idx="minor">
+            <a:schemeClr val="lt1"/>
+          </a:fontRef>
+        </p:style>
+        <p:txBody>
+          <a:bodyPr rtlCol="0" anchor="ctr"/>
+          <a:lstStyle/>
+          <a:p>
+            <a:pPr algn="ctr"/>
+            <a:r>
+              <a:rPr lang="zh-CN" altLang="en-US" dirty="0"/>
+              <a:t>执行仿真</a:t>
+            </a:r>
+          </a:p>
+        </p:txBody>
+      </p:sp>
+      <p:sp>
+        <p:nvSpPr>
+          <p:cNvPr id="7" name="矩形 6">
+            <a:extLst>
+              <a:ext uri="{FF2B5EF4-FFF2-40B4-BE49-F238E27FC236}">
+                <a16:creationId xmlns:a16="http://schemas.microsoft.com/office/drawing/2014/main" id="{AD89CC15-146A-4C27-A74C-7FBB8AEC8EBE}"/>
+              </a:ext>
+            </a:extLst>
+          </p:cNvPr>
+          <p:cNvSpPr/>
+          <p:nvPr/>
+        </p:nvSpPr>
+        <p:spPr>
+          <a:xfrm>
+            <a:off x="7415409" y="3851755"/>
+            <a:ext cx="2693096" cy="444674"/>
+          </a:xfrm>
+          <a:prstGeom prst="rect">
+            <a:avLst/>
+          </a:prstGeom>
+        </p:spPr>
+        <p:style>
+          <a:lnRef idx="2">
+            <a:schemeClr val="accent1">
+              <a:shade val="50000"/>
+            </a:schemeClr>
+          </a:lnRef>
+          <a:fillRef idx="1">
+            <a:schemeClr val="accent1"/>
+          </a:fillRef>
+          <a:effectRef idx="0">
+            <a:schemeClr val="accent1"/>
+          </a:effectRef>
+          <a:fontRef idx="minor">
+            <a:schemeClr val="lt1"/>
+          </a:fontRef>
+        </p:style>
+        <p:txBody>
+          <a:bodyPr rtlCol="0" anchor="ctr"/>
+          <a:lstStyle/>
+          <a:p>
+            <a:pPr algn="ctr"/>
+            <a:r>
+              <a:rPr lang="zh-CN" altLang="en-US" dirty="0"/>
+              <a:t>计算</a:t>
+            </a:r>
             <a:r>
               <a:rPr lang="en-US" altLang="zh-CN" dirty="0"/>
-              <a:t>GA</a:t>
-            </a:r>
+              <a:t>RMSE</a:t>
+            </a:r>
+            <a:endParaRPr lang="zh-CN" altLang="en-US" dirty="0"/>
+          </a:p>
+        </p:txBody>
+      </p:sp>
+      <p:sp>
+        <p:nvSpPr>
+          <p:cNvPr id="8" name="矩形 7">
+            <a:extLst>
+              <a:ext uri="{FF2B5EF4-FFF2-40B4-BE49-F238E27FC236}">
+                <a16:creationId xmlns:a16="http://schemas.microsoft.com/office/drawing/2014/main" id="{339D3888-295B-4280-A0AB-E6868F83BB6E}"/>
+              </a:ext>
+            </a:extLst>
+          </p:cNvPr>
+          <p:cNvSpPr/>
+          <p:nvPr/>
+        </p:nvSpPr>
+        <p:spPr>
+          <a:xfrm>
+            <a:off x="7415409" y="4755715"/>
+            <a:ext cx="2693096" cy="444674"/>
+          </a:xfrm>
+          <a:prstGeom prst="rect">
+            <a:avLst/>
+          </a:prstGeom>
+        </p:spPr>
+        <p:style>
+          <a:lnRef idx="2">
+            <a:schemeClr val="accent1">
+              <a:shade val="50000"/>
+            </a:schemeClr>
+          </a:lnRef>
+          <a:fillRef idx="1">
+            <a:schemeClr val="accent1"/>
+          </a:fillRef>
+          <a:effectRef idx="0">
+            <a:schemeClr val="accent1"/>
+          </a:effectRef>
+          <a:fontRef idx="minor">
+            <a:schemeClr val="lt1"/>
+          </a:fontRef>
+        </p:style>
+        <p:txBody>
+          <a:bodyPr rtlCol="0" anchor="ctr"/>
+          <a:lstStyle/>
+          <a:p>
+            <a:pPr algn="ctr"/>
             <a:r>
               <a:rPr lang="zh-CN" altLang="en-US" dirty="0"/>
-              <a:t>：</a:t>
-            </a:r>
-            <a:endParaRPr lang="en-US" altLang="zh-CN" dirty="0"/>
-          </a:p>
-          <a:p>
-            <a:r>
-              <a:rPr lang="en-US" altLang="zh-CN" dirty="0"/>
-              <a:t>Generations 200</a:t>
-            </a:r>
-          </a:p>
-          <a:p>
-            <a:r>
-              <a:rPr lang="en-US" altLang="zh-CN" dirty="0"/>
-              <a:t>Sol 40</a:t>
-            </a:r>
-          </a:p>
-          <a:p>
-            <a:r>
-              <a:rPr lang="en-US" altLang="zh-CN" dirty="0"/>
-              <a:t>Parents 20</a:t>
-            </a:r>
-          </a:p>
-          <a:p>
-            <a:r>
-              <a:rPr lang="zh-CN" altLang="en-US" dirty="0"/>
-              <a:t>未归一化</a:t>
-            </a:r>
-            <a:endParaRPr lang="en-US" altLang="zh-CN" dirty="0"/>
-          </a:p>
-          <a:p>
-            <a:endParaRPr lang="zh-CN" altLang="en-US" dirty="0"/>
+              <a:t>优化算法</a:t>
+            </a:r>
+          </a:p>
+        </p:txBody>
+      </p:sp>
+      <p:sp>
+        <p:nvSpPr>
+          <p:cNvPr id="9" name="箭头: 右 8">
+            <a:extLst>
+              <a:ext uri="{FF2B5EF4-FFF2-40B4-BE49-F238E27FC236}">
+                <a16:creationId xmlns:a16="http://schemas.microsoft.com/office/drawing/2014/main" id="{55896CA6-6F8F-4C9E-A859-BA6B8F4C0C2A}"/>
+              </a:ext>
+            </a:extLst>
+          </p:cNvPr>
+          <p:cNvSpPr/>
+          <p:nvPr/>
+        </p:nvSpPr>
+        <p:spPr>
+          <a:xfrm>
+            <a:off x="6418652" y="3031936"/>
+            <a:ext cx="344466" cy="221294"/>
+          </a:xfrm>
+          <a:prstGeom prst="rightArrow">
+            <a:avLst/>
+          </a:prstGeom>
+        </p:spPr>
+        <p:style>
+          <a:lnRef idx="2">
+            <a:schemeClr val="accent1">
+              <a:shade val="50000"/>
+            </a:schemeClr>
+          </a:lnRef>
+          <a:fillRef idx="1">
+            <a:schemeClr val="accent1"/>
+          </a:fillRef>
+          <a:effectRef idx="0">
+            <a:schemeClr val="accent1"/>
+          </a:effectRef>
+          <a:fontRef idx="minor">
+            <a:schemeClr val="lt1"/>
+          </a:fontRef>
+        </p:style>
+        <p:txBody>
+          <a:bodyPr rtlCol="0" anchor="ctr"/>
+          <a:lstStyle/>
+          <a:p>
+            <a:pPr algn="ctr"/>
+            <a:endParaRPr lang="zh-CN" altLang="en-US"/>
+          </a:p>
+        </p:txBody>
+      </p:sp>
+      <p:sp>
+        <p:nvSpPr>
+          <p:cNvPr id="10" name="箭头: 下 9">
+            <a:extLst>
+              <a:ext uri="{FF2B5EF4-FFF2-40B4-BE49-F238E27FC236}">
+                <a16:creationId xmlns:a16="http://schemas.microsoft.com/office/drawing/2014/main" id="{FEE251AF-5EB4-4B51-A4EC-D6BFD89FCD92}"/>
+              </a:ext>
+            </a:extLst>
+          </p:cNvPr>
+          <p:cNvSpPr/>
+          <p:nvPr/>
+        </p:nvSpPr>
+        <p:spPr>
+          <a:xfrm>
+            <a:off x="8586592" y="1716066"/>
+            <a:ext cx="206680" cy="281835"/>
+          </a:xfrm>
+          <a:prstGeom prst="downArrow">
+            <a:avLst/>
+          </a:prstGeom>
+        </p:spPr>
+        <p:style>
+          <a:lnRef idx="2">
+            <a:schemeClr val="accent1">
+              <a:shade val="50000"/>
+            </a:schemeClr>
+          </a:lnRef>
+          <a:fillRef idx="1">
+            <a:schemeClr val="accent1"/>
+          </a:fillRef>
+          <a:effectRef idx="0">
+            <a:schemeClr val="accent1"/>
+          </a:effectRef>
+          <a:fontRef idx="minor">
+            <a:schemeClr val="lt1"/>
+          </a:fontRef>
+        </p:style>
+        <p:txBody>
+          <a:bodyPr rtlCol="0" anchor="ctr"/>
+          <a:lstStyle/>
+          <a:p>
+            <a:pPr algn="ctr"/>
+            <a:endParaRPr lang="zh-CN" altLang="en-US"/>
+          </a:p>
+        </p:txBody>
+      </p:sp>
+      <p:sp>
+        <p:nvSpPr>
+          <p:cNvPr id="11" name="箭头: 下 10">
+            <a:extLst>
+              <a:ext uri="{FF2B5EF4-FFF2-40B4-BE49-F238E27FC236}">
+                <a16:creationId xmlns:a16="http://schemas.microsoft.com/office/drawing/2014/main" id="{5E9B7F80-EDC1-4B1B-91BA-AA11D5363DD6}"/>
+              </a:ext>
+            </a:extLst>
+          </p:cNvPr>
+          <p:cNvSpPr/>
+          <p:nvPr/>
+        </p:nvSpPr>
+        <p:spPr>
+          <a:xfrm>
+            <a:off x="8586592" y="2589756"/>
+            <a:ext cx="206680" cy="281835"/>
+          </a:xfrm>
+          <a:prstGeom prst="downArrow">
+            <a:avLst/>
+          </a:prstGeom>
+        </p:spPr>
+        <p:style>
+          <a:lnRef idx="2">
+            <a:schemeClr val="accent1">
+              <a:shade val="50000"/>
+            </a:schemeClr>
+          </a:lnRef>
+          <a:fillRef idx="1">
+            <a:schemeClr val="accent1"/>
+          </a:fillRef>
+          <a:effectRef idx="0">
+            <a:schemeClr val="accent1"/>
+          </a:effectRef>
+          <a:fontRef idx="minor">
+            <a:schemeClr val="lt1"/>
+          </a:fontRef>
+        </p:style>
+        <p:txBody>
+          <a:bodyPr rtlCol="0" anchor="ctr"/>
+          <a:lstStyle/>
+          <a:p>
+            <a:pPr algn="ctr"/>
+            <a:endParaRPr lang="zh-CN" altLang="en-US"/>
+          </a:p>
+        </p:txBody>
+      </p:sp>
+      <p:sp>
+        <p:nvSpPr>
+          <p:cNvPr id="12" name="箭头: 下 11">
+            <a:extLst>
+              <a:ext uri="{FF2B5EF4-FFF2-40B4-BE49-F238E27FC236}">
+                <a16:creationId xmlns:a16="http://schemas.microsoft.com/office/drawing/2014/main" id="{B0CC64EC-66FE-4F64-AC03-24D73A7F263C}"/>
+              </a:ext>
+            </a:extLst>
+          </p:cNvPr>
+          <p:cNvSpPr/>
+          <p:nvPr/>
+        </p:nvSpPr>
+        <p:spPr>
+          <a:xfrm>
+            <a:off x="8586592" y="3489542"/>
+            <a:ext cx="206680" cy="281835"/>
+          </a:xfrm>
+          <a:prstGeom prst="downArrow">
+            <a:avLst/>
+          </a:prstGeom>
+        </p:spPr>
+        <p:style>
+          <a:lnRef idx="2">
+            <a:schemeClr val="accent1">
+              <a:shade val="50000"/>
+            </a:schemeClr>
+          </a:lnRef>
+          <a:fillRef idx="1">
+            <a:schemeClr val="accent1"/>
+          </a:fillRef>
+          <a:effectRef idx="0">
+            <a:schemeClr val="accent1"/>
+          </a:effectRef>
+          <a:fontRef idx="minor">
+            <a:schemeClr val="lt1"/>
+          </a:fontRef>
+        </p:style>
+        <p:txBody>
+          <a:bodyPr rtlCol="0" anchor="ctr"/>
+          <a:lstStyle/>
+          <a:p>
+            <a:pPr algn="ctr"/>
+            <a:endParaRPr lang="zh-CN" altLang="en-US"/>
+          </a:p>
+        </p:txBody>
+      </p:sp>
+      <p:sp>
+        <p:nvSpPr>
+          <p:cNvPr id="13" name="箭头: 下 12">
+            <a:extLst>
+              <a:ext uri="{FF2B5EF4-FFF2-40B4-BE49-F238E27FC236}">
+                <a16:creationId xmlns:a16="http://schemas.microsoft.com/office/drawing/2014/main" id="{25A4440A-FED0-457D-9F01-0634977CB64C}"/>
+              </a:ext>
+            </a:extLst>
+          </p:cNvPr>
+          <p:cNvSpPr/>
+          <p:nvPr/>
+        </p:nvSpPr>
+        <p:spPr>
+          <a:xfrm>
+            <a:off x="8586592" y="4385154"/>
+            <a:ext cx="206680" cy="281835"/>
+          </a:xfrm>
+          <a:prstGeom prst="downArrow">
+            <a:avLst/>
+          </a:prstGeom>
+        </p:spPr>
+        <p:style>
+          <a:lnRef idx="2">
+            <a:schemeClr val="accent1">
+              <a:shade val="50000"/>
+            </a:schemeClr>
+          </a:lnRef>
+          <a:fillRef idx="1">
+            <a:schemeClr val="accent1"/>
+          </a:fillRef>
+          <a:effectRef idx="0">
+            <a:schemeClr val="accent1"/>
+          </a:effectRef>
+          <a:fontRef idx="minor">
+            <a:schemeClr val="lt1"/>
+          </a:fontRef>
+        </p:style>
+        <p:txBody>
+          <a:bodyPr rtlCol="0" anchor="ctr"/>
+          <a:lstStyle/>
+          <a:p>
+            <a:pPr algn="ctr"/>
+            <a:endParaRPr lang="zh-CN" altLang="en-US"/>
           </a:p>
         </p:txBody>
       </p:sp>
     </p:spTree>
     <p:extLst>
       <p:ext uri="{BB962C8B-B14F-4D97-AF65-F5344CB8AC3E}">
-        <p14:creationId xmlns:p14="http://schemas.microsoft.com/office/powerpoint/2010/main" val="2758874942"/>
+        <p14:creationId xmlns:p14="http://schemas.microsoft.com/office/powerpoint/2010/main" val="3152763007"/>
       </p:ext>
     </p:extLst>
   </p:cSld>
@@ -3581,10 +3916,228 @@
           <a:chExt cx="0" cy="0"/>
         </a:xfrm>
       </p:grpSpPr>
+      <p:pic>
+        <p:nvPicPr>
+          <p:cNvPr id="5" name="图片 4">
+            <a:extLst>
+              <a:ext uri="{FF2B5EF4-FFF2-40B4-BE49-F238E27FC236}">
+                <a16:creationId xmlns:a16="http://schemas.microsoft.com/office/drawing/2014/main" id="{6ACD08D7-00DB-4751-A210-9A61524D3377}"/>
+              </a:ext>
+            </a:extLst>
+          </p:cNvPr>
+          <p:cNvPicPr>
+            <a:picLocks noChangeAspect="1"/>
+          </p:cNvPicPr>
+          <p:nvPr/>
+        </p:nvPicPr>
+        <p:blipFill>
+          <a:blip r:embed="rId2">
+            <a:extLst>
+              <a:ext uri="{28A0092B-C50C-407E-A947-70E740481C1C}">
+                <a14:useLocalDpi xmlns:a14="http://schemas.microsoft.com/office/drawing/2010/main" val="0"/>
+              </a:ext>
+            </a:extLst>
+          </a:blip>
+          <a:stretch>
+            <a:fillRect/>
+          </a:stretch>
+        </p:blipFill>
+        <p:spPr>
+          <a:xfrm>
+            <a:off x="312414" y="3429000"/>
+            <a:ext cx="3865886" cy="2899415"/>
+          </a:xfrm>
+          <a:prstGeom prst="rect">
+            <a:avLst/>
+          </a:prstGeom>
+        </p:spPr>
+      </p:pic>
+      <p:pic>
+        <p:nvPicPr>
+          <p:cNvPr id="7" name="图片 6">
+            <a:extLst>
+              <a:ext uri="{FF2B5EF4-FFF2-40B4-BE49-F238E27FC236}">
+                <a16:creationId xmlns:a16="http://schemas.microsoft.com/office/drawing/2014/main" id="{F6BF6B5F-B3C2-485B-9E4A-3DEAFD08ABA3}"/>
+              </a:ext>
+            </a:extLst>
+          </p:cNvPr>
+          <p:cNvPicPr>
+            <a:picLocks noChangeAspect="1"/>
+          </p:cNvPicPr>
+          <p:nvPr/>
+        </p:nvPicPr>
+        <p:blipFill>
+          <a:blip r:embed="rId3">
+            <a:extLst>
+              <a:ext uri="{28A0092B-C50C-407E-A947-70E740481C1C}">
+                <a14:useLocalDpi xmlns:a14="http://schemas.microsoft.com/office/drawing/2010/main" val="0"/>
+              </a:ext>
+            </a:extLst>
+          </a:blip>
+          <a:stretch>
+            <a:fillRect/>
+          </a:stretch>
+        </p:blipFill>
+        <p:spPr>
+          <a:xfrm>
+            <a:off x="4541514" y="3429000"/>
+            <a:ext cx="3865886" cy="2899415"/>
+          </a:xfrm>
+          <a:prstGeom prst="rect">
+            <a:avLst/>
+          </a:prstGeom>
+        </p:spPr>
+      </p:pic>
+      <p:pic>
+        <p:nvPicPr>
+          <p:cNvPr id="11" name="图片 10">
+            <a:extLst>
+              <a:ext uri="{FF2B5EF4-FFF2-40B4-BE49-F238E27FC236}">
+                <a16:creationId xmlns:a16="http://schemas.microsoft.com/office/drawing/2014/main" id="{39E829D0-575E-4156-8335-C77BBFBD6D70}"/>
+              </a:ext>
+            </a:extLst>
+          </p:cNvPr>
+          <p:cNvPicPr>
+            <a:picLocks noChangeAspect="1"/>
+          </p:cNvPicPr>
+          <p:nvPr/>
+        </p:nvPicPr>
+        <p:blipFill>
+          <a:blip r:embed="rId4">
+            <a:extLst>
+              <a:ext uri="{28A0092B-C50C-407E-A947-70E740481C1C}">
+                <a14:useLocalDpi xmlns:a14="http://schemas.microsoft.com/office/drawing/2010/main" val="0"/>
+              </a:ext>
+            </a:extLst>
+          </a:blip>
+          <a:stretch>
+            <a:fillRect/>
+          </a:stretch>
+        </p:blipFill>
+        <p:spPr>
+          <a:xfrm>
+            <a:off x="312414" y="485133"/>
+            <a:ext cx="3865886" cy="2899415"/>
+          </a:xfrm>
+          <a:prstGeom prst="rect">
+            <a:avLst/>
+          </a:prstGeom>
+        </p:spPr>
+      </p:pic>
+      <p:pic>
+        <p:nvPicPr>
+          <p:cNvPr id="13" name="图片 12">
+            <a:extLst>
+              <a:ext uri="{FF2B5EF4-FFF2-40B4-BE49-F238E27FC236}">
+                <a16:creationId xmlns:a16="http://schemas.microsoft.com/office/drawing/2014/main" id="{FB3ED91F-EAFE-4C04-8877-971C5F3E5E68}"/>
+              </a:ext>
+            </a:extLst>
+          </p:cNvPr>
+          <p:cNvPicPr>
+            <a:picLocks noChangeAspect="1"/>
+          </p:cNvPicPr>
+          <p:nvPr/>
+        </p:nvPicPr>
+        <p:blipFill>
+          <a:blip r:embed="rId5">
+            <a:extLst>
+              <a:ext uri="{28A0092B-C50C-407E-A947-70E740481C1C}">
+                <a14:useLocalDpi xmlns:a14="http://schemas.microsoft.com/office/drawing/2010/main" val="0"/>
+              </a:ext>
+            </a:extLst>
+          </a:blip>
+          <a:stretch>
+            <a:fillRect/>
+          </a:stretch>
+        </p:blipFill>
+        <p:spPr>
+          <a:xfrm>
+            <a:off x="4541514" y="485133"/>
+            <a:ext cx="3865886" cy="2899415"/>
+          </a:xfrm>
+          <a:prstGeom prst="rect">
+            <a:avLst/>
+          </a:prstGeom>
+        </p:spPr>
+      </p:pic>
+      <p:sp>
+        <p:nvSpPr>
+          <p:cNvPr id="14" name="文本框 13">
+            <a:extLst>
+              <a:ext uri="{FF2B5EF4-FFF2-40B4-BE49-F238E27FC236}">
+                <a16:creationId xmlns:a16="http://schemas.microsoft.com/office/drawing/2014/main" id="{940757ED-5B3D-4D7D-A997-DDBD9FC551C3}"/>
+              </a:ext>
+            </a:extLst>
+          </p:cNvPr>
+          <p:cNvSpPr txBox="1"/>
+          <p:nvPr/>
+        </p:nvSpPr>
+        <p:spPr>
+          <a:xfrm>
+            <a:off x="9017000" y="711200"/>
+            <a:ext cx="1805302" cy="2031325"/>
+          </a:xfrm>
+          <a:prstGeom prst="rect">
+            <a:avLst/>
+          </a:prstGeom>
+          <a:noFill/>
+        </p:spPr>
+        <p:txBody>
+          <a:bodyPr wrap="none" rtlCol="0">
+            <a:spAutoFit/>
+          </a:bodyPr>
+          <a:lstStyle/>
+          <a:p>
+            <a:r>
+              <a:rPr lang="en-US" altLang="zh-CN" dirty="0"/>
+              <a:t>27</a:t>
+            </a:r>
+            <a:r>
+              <a:rPr lang="zh-CN" altLang="en-US" dirty="0"/>
+              <a:t>组参数</a:t>
+            </a:r>
+            <a:endParaRPr lang="en-US" altLang="zh-CN" dirty="0"/>
+          </a:p>
+          <a:p>
+            <a:r>
+              <a:rPr lang="en-US" altLang="zh-CN" dirty="0"/>
+              <a:t>Method: GA</a:t>
+            </a:r>
+          </a:p>
+          <a:p>
+            <a:r>
+              <a:rPr lang="en-US" altLang="zh-CN" dirty="0"/>
+              <a:t>Generations 200</a:t>
+            </a:r>
+          </a:p>
+          <a:p>
+            <a:r>
+              <a:rPr lang="en-US" altLang="zh-CN" dirty="0"/>
+              <a:t>Sol 40</a:t>
+            </a:r>
+          </a:p>
+          <a:p>
+            <a:r>
+              <a:rPr lang="en-US" altLang="zh-CN" dirty="0"/>
+              <a:t>Parents 20</a:t>
+            </a:r>
+          </a:p>
+          <a:p>
+            <a:r>
+              <a:rPr lang="zh-CN" altLang="en-US" dirty="0"/>
+              <a:t>未归一化</a:t>
+            </a:r>
+            <a:endParaRPr lang="en-US" altLang="zh-CN" dirty="0"/>
+          </a:p>
+          <a:p>
+            <a:endParaRPr lang="zh-CN" altLang="en-US" dirty="0"/>
+          </a:p>
+        </p:txBody>
+      </p:sp>
     </p:spTree>
     <p:extLst>
       <p:ext uri="{BB962C8B-B14F-4D97-AF65-F5344CB8AC3E}">
-        <p14:creationId xmlns:p14="http://schemas.microsoft.com/office/powerpoint/2010/main" val="1266258633"/>
+        <p14:creationId xmlns:p14="http://schemas.microsoft.com/office/powerpoint/2010/main" val="2758874942"/>
       </p:ext>
     </p:extLst>
   </p:cSld>
@@ -3611,10 +4164,1643 @@
           <a:chExt cx="0" cy="0"/>
         </a:xfrm>
       </p:grpSpPr>
+      <p:pic>
+        <p:nvPicPr>
+          <p:cNvPr id="4" name="图片 3">
+            <a:extLst>
+              <a:ext uri="{FF2B5EF4-FFF2-40B4-BE49-F238E27FC236}">
+                <a16:creationId xmlns:a16="http://schemas.microsoft.com/office/drawing/2014/main" id="{CA9F290A-A0F9-4FC4-8425-AB5C09FA1405}"/>
+              </a:ext>
+            </a:extLst>
+          </p:cNvPr>
+          <p:cNvPicPr>
+            <a:picLocks noChangeAspect="1"/>
+          </p:cNvPicPr>
+          <p:nvPr/>
+        </p:nvPicPr>
+        <p:blipFill>
+          <a:blip r:embed="rId2">
+            <a:extLst>
+              <a:ext uri="{28A0092B-C50C-407E-A947-70E740481C1C}">
+                <a14:useLocalDpi xmlns:a14="http://schemas.microsoft.com/office/drawing/2010/main" val="0"/>
+              </a:ext>
+            </a:extLst>
+          </a:blip>
+          <a:stretch>
+            <a:fillRect/>
+          </a:stretch>
+        </p:blipFill>
+        <p:spPr>
+          <a:xfrm>
+            <a:off x="659274" y="186003"/>
+            <a:ext cx="3919818" cy="2939864"/>
+          </a:xfrm>
+          <a:prstGeom prst="rect">
+            <a:avLst/>
+          </a:prstGeom>
+        </p:spPr>
+      </p:pic>
+      <p:pic>
+        <p:nvPicPr>
+          <p:cNvPr id="6" name="图片 5">
+            <a:extLst>
+              <a:ext uri="{FF2B5EF4-FFF2-40B4-BE49-F238E27FC236}">
+                <a16:creationId xmlns:a16="http://schemas.microsoft.com/office/drawing/2014/main" id="{954D4BFD-E698-4CB5-80D3-CF9C6D6825E7}"/>
+              </a:ext>
+            </a:extLst>
+          </p:cNvPr>
+          <p:cNvPicPr>
+            <a:picLocks noChangeAspect="1"/>
+          </p:cNvPicPr>
+          <p:nvPr/>
+        </p:nvPicPr>
+        <p:blipFill>
+          <a:blip r:embed="rId3">
+            <a:extLst>
+              <a:ext uri="{28A0092B-C50C-407E-A947-70E740481C1C}">
+                <a14:useLocalDpi xmlns:a14="http://schemas.microsoft.com/office/drawing/2010/main" val="0"/>
+              </a:ext>
+            </a:extLst>
+          </a:blip>
+          <a:stretch>
+            <a:fillRect/>
+          </a:stretch>
+        </p:blipFill>
+        <p:spPr>
+          <a:xfrm>
+            <a:off x="4823349" y="186003"/>
+            <a:ext cx="3919818" cy="2939864"/>
+          </a:xfrm>
+          <a:prstGeom prst="rect">
+            <a:avLst/>
+          </a:prstGeom>
+        </p:spPr>
+      </p:pic>
+      <p:pic>
+        <p:nvPicPr>
+          <p:cNvPr id="8" name="图片 7">
+            <a:extLst>
+              <a:ext uri="{FF2B5EF4-FFF2-40B4-BE49-F238E27FC236}">
+                <a16:creationId xmlns:a16="http://schemas.microsoft.com/office/drawing/2014/main" id="{A2AA8BDE-5F09-4715-8639-005D7C67E844}"/>
+              </a:ext>
+            </a:extLst>
+          </p:cNvPr>
+          <p:cNvPicPr>
+            <a:picLocks noChangeAspect="1"/>
+          </p:cNvPicPr>
+          <p:nvPr/>
+        </p:nvPicPr>
+        <p:blipFill>
+          <a:blip r:embed="rId4">
+            <a:extLst>
+              <a:ext uri="{28A0092B-C50C-407E-A947-70E740481C1C}">
+                <a14:useLocalDpi xmlns:a14="http://schemas.microsoft.com/office/drawing/2010/main" val="0"/>
+              </a:ext>
+            </a:extLst>
+          </a:blip>
+          <a:stretch>
+            <a:fillRect/>
+          </a:stretch>
+        </p:blipFill>
+        <p:spPr>
+          <a:xfrm>
+            <a:off x="659274" y="3301231"/>
+            <a:ext cx="3919818" cy="2939864"/>
+          </a:xfrm>
+          <a:prstGeom prst="rect">
+            <a:avLst/>
+          </a:prstGeom>
+        </p:spPr>
+      </p:pic>
+      <p:pic>
+        <p:nvPicPr>
+          <p:cNvPr id="10" name="图片 9">
+            <a:extLst>
+              <a:ext uri="{FF2B5EF4-FFF2-40B4-BE49-F238E27FC236}">
+                <a16:creationId xmlns:a16="http://schemas.microsoft.com/office/drawing/2014/main" id="{8AE4EF78-7F98-4770-83A9-A734D39FA061}"/>
+              </a:ext>
+            </a:extLst>
+          </p:cNvPr>
+          <p:cNvPicPr>
+            <a:picLocks noChangeAspect="1"/>
+          </p:cNvPicPr>
+          <p:nvPr/>
+        </p:nvPicPr>
+        <p:blipFill>
+          <a:blip r:embed="rId5">
+            <a:extLst>
+              <a:ext uri="{28A0092B-C50C-407E-A947-70E740481C1C}">
+                <a14:useLocalDpi xmlns:a14="http://schemas.microsoft.com/office/drawing/2010/main" val="0"/>
+              </a:ext>
+            </a:extLst>
+          </a:blip>
+          <a:stretch>
+            <a:fillRect/>
+          </a:stretch>
+        </p:blipFill>
+        <p:spPr>
+          <a:xfrm>
+            <a:off x="4823349" y="3351335"/>
+            <a:ext cx="3919818" cy="2939864"/>
+          </a:xfrm>
+          <a:prstGeom prst="rect">
+            <a:avLst/>
+          </a:prstGeom>
+        </p:spPr>
+      </p:pic>
+      <p:sp>
+        <p:nvSpPr>
+          <p:cNvPr id="11" name="文本框 10">
+            <a:extLst>
+              <a:ext uri="{FF2B5EF4-FFF2-40B4-BE49-F238E27FC236}">
+                <a16:creationId xmlns:a16="http://schemas.microsoft.com/office/drawing/2014/main" id="{644B1E4F-21BA-415C-AF40-6E22CC4807E4}"/>
+              </a:ext>
+            </a:extLst>
+          </p:cNvPr>
+          <p:cNvSpPr txBox="1"/>
+          <p:nvPr/>
+        </p:nvSpPr>
+        <p:spPr>
+          <a:xfrm>
+            <a:off x="9017000" y="711200"/>
+            <a:ext cx="1805302" cy="2031325"/>
+          </a:xfrm>
+          <a:prstGeom prst="rect">
+            <a:avLst/>
+          </a:prstGeom>
+          <a:noFill/>
+        </p:spPr>
+        <p:txBody>
+          <a:bodyPr wrap="none" rtlCol="0">
+            <a:spAutoFit/>
+          </a:bodyPr>
+          <a:lstStyle/>
+          <a:p>
+            <a:r>
+              <a:rPr lang="en-US" altLang="zh-CN" dirty="0"/>
+              <a:t>42</a:t>
+            </a:r>
+            <a:r>
+              <a:rPr lang="zh-CN" altLang="en-US" dirty="0"/>
+              <a:t>组参数</a:t>
+            </a:r>
+            <a:endParaRPr lang="en-US" altLang="zh-CN" dirty="0"/>
+          </a:p>
+          <a:p>
+            <a:r>
+              <a:rPr lang="en-US" altLang="zh-CN" dirty="0"/>
+              <a:t>Method: GA</a:t>
+            </a:r>
+          </a:p>
+          <a:p>
+            <a:r>
+              <a:rPr lang="en-US" altLang="zh-CN" dirty="0"/>
+              <a:t>Generations 200</a:t>
+            </a:r>
+          </a:p>
+          <a:p>
+            <a:r>
+              <a:rPr lang="en-US" altLang="zh-CN" dirty="0"/>
+              <a:t>Sol 40</a:t>
+            </a:r>
+          </a:p>
+          <a:p>
+            <a:r>
+              <a:rPr lang="en-US" altLang="zh-CN" dirty="0"/>
+              <a:t>Parents 20</a:t>
+            </a:r>
+          </a:p>
+          <a:p>
+            <a:r>
+              <a:rPr lang="zh-CN" altLang="en-US" dirty="0"/>
+              <a:t>参数归一化</a:t>
+            </a:r>
+            <a:endParaRPr lang="en-US" altLang="zh-CN" dirty="0"/>
+          </a:p>
+          <a:p>
+            <a:endParaRPr lang="zh-CN" altLang="en-US" dirty="0"/>
+          </a:p>
+        </p:txBody>
+      </p:sp>
+      <p:pic>
+        <p:nvPicPr>
+          <p:cNvPr id="14" name="图片 13">
+            <a:extLst>
+              <a:ext uri="{FF2B5EF4-FFF2-40B4-BE49-F238E27FC236}">
+                <a16:creationId xmlns:a16="http://schemas.microsoft.com/office/drawing/2014/main" id="{36FC86C7-346A-43F4-97ED-A143654D9750}"/>
+              </a:ext>
+            </a:extLst>
+          </p:cNvPr>
+          <p:cNvPicPr>
+            <a:picLocks noChangeAspect="1"/>
+          </p:cNvPicPr>
+          <p:nvPr/>
+        </p:nvPicPr>
+        <p:blipFill>
+          <a:blip r:embed="rId6">
+            <a:extLst>
+              <a:ext uri="{28A0092B-C50C-407E-A947-70E740481C1C}">
+                <a14:useLocalDpi xmlns:a14="http://schemas.microsoft.com/office/drawing/2010/main" val="0"/>
+              </a:ext>
+            </a:extLst>
+          </a:blip>
+          <a:stretch>
+            <a:fillRect/>
+          </a:stretch>
+        </p:blipFill>
+        <p:spPr>
+          <a:xfrm>
+            <a:off x="8800364" y="2656140"/>
+            <a:ext cx="3038821" cy="2279116"/>
+          </a:xfrm>
+          <a:prstGeom prst="rect">
+            <a:avLst/>
+          </a:prstGeom>
+        </p:spPr>
+      </p:pic>
+      <p:sp>
+        <p:nvSpPr>
+          <p:cNvPr id="16" name="文本框 15">
+            <a:extLst>
+              <a:ext uri="{FF2B5EF4-FFF2-40B4-BE49-F238E27FC236}">
+                <a16:creationId xmlns:a16="http://schemas.microsoft.com/office/drawing/2014/main" id="{A0E04985-48B8-438C-87DD-F4D509471312}"/>
+              </a:ext>
+            </a:extLst>
+          </p:cNvPr>
+          <p:cNvSpPr txBox="1"/>
+          <p:nvPr/>
+        </p:nvSpPr>
+        <p:spPr>
+          <a:xfrm>
+            <a:off x="9180965" y="5040766"/>
+            <a:ext cx="3445271" cy="1200329"/>
+          </a:xfrm>
+          <a:prstGeom prst="rect">
+            <a:avLst/>
+          </a:prstGeom>
+          <a:noFill/>
+        </p:spPr>
+        <p:txBody>
+          <a:bodyPr wrap="square">
+            <a:spAutoFit/>
+          </a:bodyPr>
+          <a:lstStyle/>
+          <a:p>
+            <a:r>
+              <a:rPr lang="zh-CN" altLang="en-US" dirty="0"/>
+              <a:t>RMSE for 0.1C: 0.0073</a:t>
+            </a:r>
+            <a:r>
+              <a:rPr lang="en-US" altLang="zh-CN" dirty="0"/>
+              <a:t>V</a:t>
+            </a:r>
+            <a:endParaRPr lang="zh-CN" altLang="en-US" dirty="0"/>
+          </a:p>
+          <a:p>
+            <a:r>
+              <a:rPr lang="zh-CN" altLang="en-US" dirty="0"/>
+              <a:t>RMSE for 0.2C: 0.0098</a:t>
+            </a:r>
+            <a:r>
+              <a:rPr lang="en-US" altLang="zh-CN" dirty="0"/>
+              <a:t> V</a:t>
+            </a:r>
+            <a:endParaRPr lang="zh-CN" altLang="en-US" dirty="0"/>
+          </a:p>
+          <a:p>
+            <a:r>
+              <a:rPr lang="zh-CN" altLang="en-US" dirty="0"/>
+              <a:t>RMSE for 0.33C: 0.0079</a:t>
+            </a:r>
+            <a:r>
+              <a:rPr lang="en-US" altLang="zh-CN" dirty="0"/>
+              <a:t> V</a:t>
+            </a:r>
+            <a:endParaRPr lang="zh-CN" altLang="en-US" dirty="0"/>
+          </a:p>
+          <a:p>
+            <a:r>
+              <a:rPr lang="zh-CN" altLang="en-US" dirty="0"/>
+              <a:t>RMSE for 1C.: 0.0083</a:t>
+            </a:r>
+            <a:r>
+              <a:rPr lang="en-US" altLang="zh-CN" dirty="0"/>
+              <a:t> V</a:t>
+            </a:r>
+            <a:endParaRPr lang="zh-CN" altLang="en-US" dirty="0"/>
+          </a:p>
+        </p:txBody>
+      </p:sp>
+    </p:spTree>
+    <p:extLst>
+      <p:ext uri="{BB962C8B-B14F-4D97-AF65-F5344CB8AC3E}">
+        <p14:creationId xmlns:p14="http://schemas.microsoft.com/office/powerpoint/2010/main" val="1266258633"/>
+      </p:ext>
+    </p:extLst>
+  </p:cSld>
+  <p:clrMapOvr>
+    <a:masterClrMapping/>
+  </p:clrMapOvr>
+</p:sld>
+</file>
+
+<file path=ppt/slides/slide4.xml><?xml version="1.0" encoding="utf-8"?>
+<p:sld xmlns:a="http://schemas.openxmlformats.org/drawingml/2006/main" xmlns:r="http://schemas.openxmlformats.org/officeDocument/2006/relationships" xmlns:p="http://schemas.openxmlformats.org/presentationml/2006/main">
+  <p:cSld>
+    <p:spTree>
+      <p:nvGrpSpPr>
+        <p:cNvPr id="1" name=""/>
+        <p:cNvGrpSpPr/>
+        <p:nvPr/>
+      </p:nvGrpSpPr>
+      <p:grpSpPr>
+        <a:xfrm>
+          <a:off x="0" y="0"/>
+          <a:ext cx="0" cy="0"/>
+          <a:chOff x="0" y="0"/>
+          <a:chExt cx="0" cy="0"/>
+        </a:xfrm>
+      </p:grpSpPr>
+      <p:pic>
+        <p:nvPicPr>
+          <p:cNvPr id="3" name="图片 2">
+            <a:extLst>
+              <a:ext uri="{FF2B5EF4-FFF2-40B4-BE49-F238E27FC236}">
+                <a16:creationId xmlns:a16="http://schemas.microsoft.com/office/drawing/2014/main" id="{4C7E8D69-C039-4635-ADA8-D552FD4D183C}"/>
+              </a:ext>
+            </a:extLst>
+          </p:cNvPr>
+          <p:cNvPicPr>
+            <a:picLocks noChangeAspect="1"/>
+          </p:cNvPicPr>
+          <p:nvPr/>
+        </p:nvPicPr>
+        <p:blipFill>
+          <a:blip r:embed="rId2">
+            <a:extLst>
+              <a:ext uri="{28A0092B-C50C-407E-A947-70E740481C1C}">
+                <a14:useLocalDpi xmlns:a14="http://schemas.microsoft.com/office/drawing/2010/main" val="0"/>
+              </a:ext>
+            </a:extLst>
+          </a:blip>
+          <a:stretch>
+            <a:fillRect/>
+          </a:stretch>
+        </p:blipFill>
+        <p:spPr>
+          <a:xfrm>
+            <a:off x="977859" y="282458"/>
+            <a:ext cx="3698525" cy="2773894"/>
+          </a:xfrm>
+          <a:prstGeom prst="rect">
+            <a:avLst/>
+          </a:prstGeom>
+        </p:spPr>
+      </p:pic>
+      <p:pic>
+        <p:nvPicPr>
+          <p:cNvPr id="5" name="图片 4">
+            <a:extLst>
+              <a:ext uri="{FF2B5EF4-FFF2-40B4-BE49-F238E27FC236}">
+                <a16:creationId xmlns:a16="http://schemas.microsoft.com/office/drawing/2014/main" id="{21CDDD3F-104E-42F6-B7C9-C20981F1B048}"/>
+              </a:ext>
+            </a:extLst>
+          </p:cNvPr>
+          <p:cNvPicPr>
+            <a:picLocks noChangeAspect="1"/>
+          </p:cNvPicPr>
+          <p:nvPr/>
+        </p:nvPicPr>
+        <p:blipFill>
+          <a:blip r:embed="rId3">
+            <a:extLst>
+              <a:ext uri="{28A0092B-C50C-407E-A947-70E740481C1C}">
+                <a14:useLocalDpi xmlns:a14="http://schemas.microsoft.com/office/drawing/2010/main" val="0"/>
+              </a:ext>
+            </a:extLst>
+          </a:blip>
+          <a:stretch>
+            <a:fillRect/>
+          </a:stretch>
+        </p:blipFill>
+        <p:spPr>
+          <a:xfrm>
+            <a:off x="4944020" y="282458"/>
+            <a:ext cx="3698525" cy="2773894"/>
+          </a:xfrm>
+          <a:prstGeom prst="rect">
+            <a:avLst/>
+          </a:prstGeom>
+        </p:spPr>
+      </p:pic>
+      <p:pic>
+        <p:nvPicPr>
+          <p:cNvPr id="7" name="图片 6">
+            <a:extLst>
+              <a:ext uri="{FF2B5EF4-FFF2-40B4-BE49-F238E27FC236}">
+                <a16:creationId xmlns:a16="http://schemas.microsoft.com/office/drawing/2014/main" id="{7BCDEECA-329A-4716-8A48-EBF9F7255181}"/>
+              </a:ext>
+            </a:extLst>
+          </p:cNvPr>
+          <p:cNvPicPr>
+            <a:picLocks noChangeAspect="1"/>
+          </p:cNvPicPr>
+          <p:nvPr/>
+        </p:nvPicPr>
+        <p:blipFill>
+          <a:blip r:embed="rId4">
+            <a:extLst>
+              <a:ext uri="{28A0092B-C50C-407E-A947-70E740481C1C}">
+                <a14:useLocalDpi xmlns:a14="http://schemas.microsoft.com/office/drawing/2010/main" val="0"/>
+              </a:ext>
+            </a:extLst>
+          </a:blip>
+          <a:stretch>
+            <a:fillRect/>
+          </a:stretch>
+        </p:blipFill>
+        <p:spPr>
+          <a:xfrm>
+            <a:off x="977859" y="3429000"/>
+            <a:ext cx="3698525" cy="2773894"/>
+          </a:xfrm>
+          <a:prstGeom prst="rect">
+            <a:avLst/>
+          </a:prstGeom>
+        </p:spPr>
+      </p:pic>
+      <p:sp>
+        <p:nvSpPr>
+          <p:cNvPr id="8" name="文本框 7">
+            <a:extLst>
+              <a:ext uri="{FF2B5EF4-FFF2-40B4-BE49-F238E27FC236}">
+                <a16:creationId xmlns:a16="http://schemas.microsoft.com/office/drawing/2014/main" id="{A3419CF4-3720-43EF-A01E-C1146A05B1D0}"/>
+              </a:ext>
+            </a:extLst>
+          </p:cNvPr>
+          <p:cNvSpPr txBox="1"/>
+          <p:nvPr/>
+        </p:nvSpPr>
+        <p:spPr>
+          <a:xfrm>
+            <a:off x="8904266" y="617255"/>
+            <a:ext cx="1648208" cy="1477328"/>
+          </a:xfrm>
+          <a:prstGeom prst="rect">
+            <a:avLst/>
+          </a:prstGeom>
+          <a:noFill/>
+        </p:spPr>
+        <p:txBody>
+          <a:bodyPr wrap="none" rtlCol="0">
+            <a:spAutoFit/>
+          </a:bodyPr>
+          <a:lstStyle/>
+          <a:p>
+            <a:r>
+              <a:rPr lang="en-US" altLang="zh-CN" dirty="0"/>
+              <a:t>42</a:t>
+            </a:r>
+            <a:r>
+              <a:rPr lang="zh-CN" altLang="en-US" dirty="0"/>
+              <a:t>组参数</a:t>
+            </a:r>
+            <a:endParaRPr lang="en-US" altLang="zh-CN" dirty="0"/>
+          </a:p>
+          <a:p>
+            <a:r>
+              <a:rPr lang="en-US" altLang="zh-CN" dirty="0"/>
+              <a:t>Method: Bayes</a:t>
+            </a:r>
+          </a:p>
+          <a:p>
+            <a:r>
+              <a:rPr lang="en-US" altLang="zh-CN" dirty="0"/>
+              <a:t>N calls 500</a:t>
+            </a:r>
+          </a:p>
+          <a:p>
+            <a:r>
+              <a:rPr lang="zh-CN" altLang="en-US" dirty="0"/>
+              <a:t>参数归一化</a:t>
+            </a:r>
+            <a:endParaRPr lang="en-US" altLang="zh-CN" dirty="0"/>
+          </a:p>
+          <a:p>
+            <a:endParaRPr lang="zh-CN" altLang="en-US" dirty="0"/>
+          </a:p>
+        </p:txBody>
+      </p:sp>
+      <p:sp>
+        <p:nvSpPr>
+          <p:cNvPr id="10" name="文本框 9">
+            <a:extLst>
+              <a:ext uri="{FF2B5EF4-FFF2-40B4-BE49-F238E27FC236}">
+                <a16:creationId xmlns:a16="http://schemas.microsoft.com/office/drawing/2014/main" id="{C8F63527-12DC-4C8C-91FD-11CB76C23607}"/>
+              </a:ext>
+            </a:extLst>
+          </p:cNvPr>
+          <p:cNvSpPr txBox="1"/>
+          <p:nvPr/>
+        </p:nvSpPr>
+        <p:spPr>
+          <a:xfrm>
+            <a:off x="9068231" y="4946821"/>
+            <a:ext cx="3445271" cy="1200329"/>
+          </a:xfrm>
+          <a:prstGeom prst="rect">
+            <a:avLst/>
+          </a:prstGeom>
+          <a:noFill/>
+        </p:spPr>
+        <p:txBody>
+          <a:bodyPr wrap="square">
+            <a:spAutoFit/>
+          </a:bodyPr>
+          <a:lstStyle/>
+          <a:p>
+            <a:r>
+              <a:rPr lang="en-US" altLang="zh-CN" dirty="0"/>
+              <a:t>RMSE for 0.1C: 0.0320</a:t>
+            </a:r>
+          </a:p>
+          <a:p>
+            <a:r>
+              <a:rPr lang="en-US" altLang="zh-CN" dirty="0"/>
+              <a:t>RMSE for 0.2C: 0.0403</a:t>
+            </a:r>
+          </a:p>
+          <a:p>
+            <a:r>
+              <a:rPr lang="en-US" altLang="zh-CN" dirty="0"/>
+              <a:t>RMSE for 0.33C: 0.0208</a:t>
+            </a:r>
+          </a:p>
+          <a:p>
+            <a:r>
+              <a:rPr lang="en-US" altLang="zh-CN" dirty="0"/>
+              <a:t>RMSE for 1C: 0.0255</a:t>
+            </a:r>
+            <a:endParaRPr lang="zh-CN" altLang="en-US" dirty="0"/>
+          </a:p>
+        </p:txBody>
+      </p:sp>
+      <p:pic>
+        <p:nvPicPr>
+          <p:cNvPr id="17" name="图片 16">
+            <a:extLst>
+              <a:ext uri="{FF2B5EF4-FFF2-40B4-BE49-F238E27FC236}">
+                <a16:creationId xmlns:a16="http://schemas.microsoft.com/office/drawing/2014/main" id="{ADFBEC5E-E857-4026-BCFE-E0EE17D7DB2D}"/>
+              </a:ext>
+            </a:extLst>
+          </p:cNvPr>
+          <p:cNvPicPr>
+            <a:picLocks noChangeAspect="1"/>
+          </p:cNvPicPr>
+          <p:nvPr/>
+        </p:nvPicPr>
+        <p:blipFill>
+          <a:blip r:embed="rId5">
+            <a:extLst>
+              <a:ext uri="{28A0092B-C50C-407E-A947-70E740481C1C}">
+                <a14:useLocalDpi xmlns:a14="http://schemas.microsoft.com/office/drawing/2010/main" val="0"/>
+              </a:ext>
+            </a:extLst>
+          </a:blip>
+          <a:stretch>
+            <a:fillRect/>
+          </a:stretch>
+        </p:blipFill>
+        <p:spPr>
+          <a:xfrm>
+            <a:off x="8844204" y="2423419"/>
+            <a:ext cx="2926087" cy="2194565"/>
+          </a:xfrm>
+          <a:prstGeom prst="rect">
+            <a:avLst/>
+          </a:prstGeom>
+        </p:spPr>
+      </p:pic>
+      <p:pic>
+        <p:nvPicPr>
+          <p:cNvPr id="20" name="图片 19">
+            <a:extLst>
+              <a:ext uri="{FF2B5EF4-FFF2-40B4-BE49-F238E27FC236}">
+                <a16:creationId xmlns:a16="http://schemas.microsoft.com/office/drawing/2014/main" id="{6A86351D-BAD6-4181-AB91-375173174567}"/>
+              </a:ext>
+            </a:extLst>
+          </p:cNvPr>
+          <p:cNvPicPr>
+            <a:picLocks noChangeAspect="1"/>
+          </p:cNvPicPr>
+          <p:nvPr/>
+        </p:nvPicPr>
+        <p:blipFill>
+          <a:blip r:embed="rId6">
+            <a:extLst>
+              <a:ext uri="{28A0092B-C50C-407E-A947-70E740481C1C}">
+                <a14:useLocalDpi xmlns:a14="http://schemas.microsoft.com/office/drawing/2010/main" val="0"/>
+              </a:ext>
+            </a:extLst>
+          </a:blip>
+          <a:stretch>
+            <a:fillRect/>
+          </a:stretch>
+        </p:blipFill>
+        <p:spPr>
+          <a:xfrm>
+            <a:off x="4944020" y="3429000"/>
+            <a:ext cx="3698525" cy="2773894"/>
+          </a:xfrm>
+          <a:prstGeom prst="rect">
+            <a:avLst/>
+          </a:prstGeom>
+        </p:spPr>
+      </p:pic>
     </p:spTree>
     <p:extLst>
       <p:ext uri="{BB962C8B-B14F-4D97-AF65-F5344CB8AC3E}">
         <p14:creationId xmlns:p14="http://schemas.microsoft.com/office/powerpoint/2010/main" val="335835234"/>
+      </p:ext>
+    </p:extLst>
+  </p:cSld>
+  <p:clrMapOvr>
+    <a:masterClrMapping/>
+  </p:clrMapOvr>
+</p:sld>
+</file>
+
+<file path=ppt/slides/slide5.xml><?xml version="1.0" encoding="utf-8"?>
+<p:sld xmlns:a="http://schemas.openxmlformats.org/drawingml/2006/main" xmlns:r="http://schemas.openxmlformats.org/officeDocument/2006/relationships" xmlns:p="http://schemas.openxmlformats.org/presentationml/2006/main">
+  <p:cSld>
+    <p:spTree>
+      <p:nvGrpSpPr>
+        <p:cNvPr id="1" name=""/>
+        <p:cNvGrpSpPr/>
+        <p:nvPr/>
+      </p:nvGrpSpPr>
+      <p:grpSpPr>
+        <a:xfrm>
+          <a:off x="0" y="0"/>
+          <a:ext cx="0" cy="0"/>
+          <a:chOff x="0" y="0"/>
+          <a:chExt cx="0" cy="0"/>
+        </a:xfrm>
+      </p:grpSpPr>
+      <p:sp>
+        <p:nvSpPr>
+          <p:cNvPr id="8" name="文本框 7">
+            <a:extLst>
+              <a:ext uri="{FF2B5EF4-FFF2-40B4-BE49-F238E27FC236}">
+                <a16:creationId xmlns:a16="http://schemas.microsoft.com/office/drawing/2014/main" id="{A3419CF4-3720-43EF-A01E-C1146A05B1D0}"/>
+              </a:ext>
+            </a:extLst>
+          </p:cNvPr>
+          <p:cNvSpPr txBox="1"/>
+          <p:nvPr/>
+        </p:nvSpPr>
+        <p:spPr>
+          <a:xfrm>
+            <a:off x="8904266" y="617255"/>
+            <a:ext cx="1595309" cy="1477328"/>
+          </a:xfrm>
+          <a:prstGeom prst="rect">
+            <a:avLst/>
+          </a:prstGeom>
+          <a:noFill/>
+        </p:spPr>
+        <p:txBody>
+          <a:bodyPr wrap="none" rtlCol="0">
+            <a:spAutoFit/>
+          </a:bodyPr>
+          <a:lstStyle/>
+          <a:p>
+            <a:r>
+              <a:rPr lang="en-US" altLang="zh-CN" dirty="0"/>
+              <a:t>42</a:t>
+            </a:r>
+            <a:r>
+              <a:rPr lang="zh-CN" altLang="en-US" dirty="0"/>
+              <a:t>组参数</a:t>
+            </a:r>
+            <a:endParaRPr lang="en-US" altLang="zh-CN" dirty="0"/>
+          </a:p>
+          <a:p>
+            <a:r>
+              <a:rPr lang="en-US" altLang="zh-CN" dirty="0"/>
+              <a:t>Method: Local</a:t>
+            </a:r>
+          </a:p>
+          <a:p>
+            <a:r>
+              <a:rPr lang="en-US" altLang="zh-CN" dirty="0"/>
+              <a:t>Max </a:t>
+            </a:r>
+            <a:r>
+              <a:rPr lang="en-US" altLang="zh-CN" dirty="0" err="1"/>
+              <a:t>Iter</a:t>
+            </a:r>
+            <a:r>
+              <a:rPr lang="en-US" altLang="zh-CN" dirty="0"/>
+              <a:t> 7</a:t>
+            </a:r>
+          </a:p>
+          <a:p>
+            <a:r>
+              <a:rPr lang="zh-CN" altLang="en-US" dirty="0"/>
+              <a:t>参数归一化</a:t>
+            </a:r>
+            <a:endParaRPr lang="en-US" altLang="zh-CN" dirty="0"/>
+          </a:p>
+          <a:p>
+            <a:endParaRPr lang="zh-CN" altLang="en-US" dirty="0"/>
+          </a:p>
+        </p:txBody>
+      </p:sp>
+      <p:sp>
+        <p:nvSpPr>
+          <p:cNvPr id="10" name="文本框 9">
+            <a:extLst>
+              <a:ext uri="{FF2B5EF4-FFF2-40B4-BE49-F238E27FC236}">
+                <a16:creationId xmlns:a16="http://schemas.microsoft.com/office/drawing/2014/main" id="{C8F63527-12DC-4C8C-91FD-11CB76C23607}"/>
+              </a:ext>
+            </a:extLst>
+          </p:cNvPr>
+          <p:cNvSpPr txBox="1"/>
+          <p:nvPr/>
+        </p:nvSpPr>
+        <p:spPr>
+          <a:xfrm>
+            <a:off x="9068231" y="4946821"/>
+            <a:ext cx="3445271" cy="1200329"/>
+          </a:xfrm>
+          <a:prstGeom prst="rect">
+            <a:avLst/>
+          </a:prstGeom>
+          <a:noFill/>
+        </p:spPr>
+        <p:txBody>
+          <a:bodyPr wrap="square">
+            <a:spAutoFit/>
+          </a:bodyPr>
+          <a:lstStyle/>
+          <a:p>
+            <a:r>
+              <a:rPr lang="en-US" altLang="zh-CN" dirty="0"/>
+              <a:t>RMSE for 0.1C: 0.0320</a:t>
+            </a:r>
+          </a:p>
+          <a:p>
+            <a:r>
+              <a:rPr lang="en-US" altLang="zh-CN" dirty="0"/>
+              <a:t>RMSE for 0.2C: 0.0403</a:t>
+            </a:r>
+          </a:p>
+          <a:p>
+            <a:r>
+              <a:rPr lang="en-US" altLang="zh-CN" dirty="0"/>
+              <a:t>RMSE for 0.33C: 0.0208</a:t>
+            </a:r>
+          </a:p>
+          <a:p>
+            <a:r>
+              <a:rPr lang="en-US" altLang="zh-CN" dirty="0"/>
+              <a:t>RMSE for 1C: 0.0255</a:t>
+            </a:r>
+            <a:endParaRPr lang="zh-CN" altLang="en-US" dirty="0"/>
+          </a:p>
+        </p:txBody>
+      </p:sp>
+      <p:pic>
+        <p:nvPicPr>
+          <p:cNvPr id="19" name="图片 18">
+            <a:extLst>
+              <a:ext uri="{FF2B5EF4-FFF2-40B4-BE49-F238E27FC236}">
+                <a16:creationId xmlns:a16="http://schemas.microsoft.com/office/drawing/2014/main" id="{5B67E1CF-5EFF-4F40-8A51-6396B7D4EC94}"/>
+              </a:ext>
+            </a:extLst>
+          </p:cNvPr>
+          <p:cNvPicPr>
+            <a:picLocks noChangeAspect="1"/>
+          </p:cNvPicPr>
+          <p:nvPr/>
+        </p:nvPicPr>
+        <p:blipFill>
+          <a:blip r:embed="rId2">
+            <a:extLst>
+              <a:ext uri="{28A0092B-C50C-407E-A947-70E740481C1C}">
+                <a14:useLocalDpi xmlns:a14="http://schemas.microsoft.com/office/drawing/2010/main" val="0"/>
+              </a:ext>
+            </a:extLst>
+          </a:blip>
+          <a:stretch>
+            <a:fillRect/>
+          </a:stretch>
+        </p:blipFill>
+        <p:spPr>
+          <a:xfrm>
+            <a:off x="287495" y="157198"/>
+            <a:ext cx="4051341" cy="3038506"/>
+          </a:xfrm>
+          <a:prstGeom prst="rect">
+            <a:avLst/>
+          </a:prstGeom>
+        </p:spPr>
+      </p:pic>
+      <p:pic>
+        <p:nvPicPr>
+          <p:cNvPr id="22" name="图片 21">
+            <a:extLst>
+              <a:ext uri="{FF2B5EF4-FFF2-40B4-BE49-F238E27FC236}">
+                <a16:creationId xmlns:a16="http://schemas.microsoft.com/office/drawing/2014/main" id="{485F9369-5C6A-4C3E-9DCD-ABFF971BF294}"/>
+              </a:ext>
+            </a:extLst>
+          </p:cNvPr>
+          <p:cNvPicPr>
+            <a:picLocks noChangeAspect="1"/>
+          </p:cNvPicPr>
+          <p:nvPr/>
+        </p:nvPicPr>
+        <p:blipFill>
+          <a:blip r:embed="rId3">
+            <a:extLst>
+              <a:ext uri="{28A0092B-C50C-407E-A947-70E740481C1C}">
+                <a14:useLocalDpi xmlns:a14="http://schemas.microsoft.com/office/drawing/2010/main" val="0"/>
+              </a:ext>
+            </a:extLst>
+          </a:blip>
+          <a:stretch>
+            <a:fillRect/>
+          </a:stretch>
+        </p:blipFill>
+        <p:spPr>
+          <a:xfrm>
+            <a:off x="4510199" y="157198"/>
+            <a:ext cx="4051341" cy="3038506"/>
+          </a:xfrm>
+          <a:prstGeom prst="rect">
+            <a:avLst/>
+          </a:prstGeom>
+        </p:spPr>
+      </p:pic>
+      <p:pic>
+        <p:nvPicPr>
+          <p:cNvPr id="24" name="图片 23">
+            <a:extLst>
+              <a:ext uri="{FF2B5EF4-FFF2-40B4-BE49-F238E27FC236}">
+                <a16:creationId xmlns:a16="http://schemas.microsoft.com/office/drawing/2014/main" id="{C360089B-CB98-45FD-9B7E-E7ABFA2C9D70}"/>
+              </a:ext>
+            </a:extLst>
+          </p:cNvPr>
+          <p:cNvPicPr>
+            <a:picLocks noChangeAspect="1"/>
+          </p:cNvPicPr>
+          <p:nvPr/>
+        </p:nvPicPr>
+        <p:blipFill>
+          <a:blip r:embed="rId4">
+            <a:extLst>
+              <a:ext uri="{28A0092B-C50C-407E-A947-70E740481C1C}">
+                <a14:useLocalDpi xmlns:a14="http://schemas.microsoft.com/office/drawing/2010/main" val="0"/>
+              </a:ext>
+            </a:extLst>
+          </a:blip>
+          <a:stretch>
+            <a:fillRect/>
+          </a:stretch>
+        </p:blipFill>
+        <p:spPr>
+          <a:xfrm>
+            <a:off x="251350" y="3427568"/>
+            <a:ext cx="4051341" cy="3038506"/>
+          </a:xfrm>
+          <a:prstGeom prst="rect">
+            <a:avLst/>
+          </a:prstGeom>
+        </p:spPr>
+      </p:pic>
+      <p:pic>
+        <p:nvPicPr>
+          <p:cNvPr id="26" name="图片 25">
+            <a:extLst>
+              <a:ext uri="{FF2B5EF4-FFF2-40B4-BE49-F238E27FC236}">
+                <a16:creationId xmlns:a16="http://schemas.microsoft.com/office/drawing/2014/main" id="{E81F3914-8AB4-4CE1-8CEB-F21AF29D9569}"/>
+              </a:ext>
+            </a:extLst>
+          </p:cNvPr>
+          <p:cNvPicPr>
+            <a:picLocks noChangeAspect="1"/>
+          </p:cNvPicPr>
+          <p:nvPr/>
+        </p:nvPicPr>
+        <p:blipFill>
+          <a:blip r:embed="rId5">
+            <a:extLst>
+              <a:ext uri="{28A0092B-C50C-407E-A947-70E740481C1C}">
+                <a14:useLocalDpi xmlns:a14="http://schemas.microsoft.com/office/drawing/2010/main" val="0"/>
+              </a:ext>
+            </a:extLst>
+          </a:blip>
+          <a:stretch>
+            <a:fillRect/>
+          </a:stretch>
+        </p:blipFill>
+        <p:spPr>
+          <a:xfrm>
+            <a:off x="4510199" y="3427568"/>
+            <a:ext cx="4051341" cy="3038506"/>
+          </a:xfrm>
+          <a:prstGeom prst="rect">
+            <a:avLst/>
+          </a:prstGeom>
+        </p:spPr>
+      </p:pic>
+      <p:pic>
+        <p:nvPicPr>
+          <p:cNvPr id="27" name="图片 26">
+            <a:extLst>
+              <a:ext uri="{FF2B5EF4-FFF2-40B4-BE49-F238E27FC236}">
+                <a16:creationId xmlns:a16="http://schemas.microsoft.com/office/drawing/2014/main" id="{ED1A223F-FCD3-4B9A-B06B-2317747D5972}"/>
+              </a:ext>
+            </a:extLst>
+          </p:cNvPr>
+          <p:cNvPicPr>
+            <a:picLocks noChangeAspect="1"/>
+          </p:cNvPicPr>
+          <p:nvPr/>
+        </p:nvPicPr>
+        <p:blipFill>
+          <a:blip r:embed="rId6"/>
+          <a:stretch>
+            <a:fillRect/>
+          </a:stretch>
+        </p:blipFill>
+        <p:spPr>
+          <a:xfrm>
+            <a:off x="8904266" y="2746332"/>
+            <a:ext cx="2818356" cy="2113767"/>
+          </a:xfrm>
+          <a:prstGeom prst="rect">
+            <a:avLst/>
+          </a:prstGeom>
+        </p:spPr>
+      </p:pic>
+    </p:spTree>
+    <p:extLst>
+      <p:ext uri="{BB962C8B-B14F-4D97-AF65-F5344CB8AC3E}">
+        <p14:creationId xmlns:p14="http://schemas.microsoft.com/office/powerpoint/2010/main" val="98213196"/>
+      </p:ext>
+    </p:extLst>
+  </p:cSld>
+  <p:clrMapOvr>
+    <a:masterClrMapping/>
+  </p:clrMapOvr>
+</p:sld>
+</file>
+
+<file path=ppt/slides/slide6.xml><?xml version="1.0" encoding="utf-8"?>
+<p:sld xmlns:a="http://schemas.openxmlformats.org/drawingml/2006/main" xmlns:r="http://schemas.openxmlformats.org/officeDocument/2006/relationships" xmlns:p="http://schemas.openxmlformats.org/presentationml/2006/main">
+  <p:cSld>
+    <p:spTree>
+      <p:nvGrpSpPr>
+        <p:cNvPr id="1" name=""/>
+        <p:cNvGrpSpPr/>
+        <p:nvPr/>
+      </p:nvGrpSpPr>
+      <p:grpSpPr>
+        <a:xfrm>
+          <a:off x="0" y="0"/>
+          <a:ext cx="0" cy="0"/>
+          <a:chOff x="0" y="0"/>
+          <a:chExt cx="0" cy="0"/>
+        </a:xfrm>
+      </p:grpSpPr>
+      <p:pic>
+        <p:nvPicPr>
+          <p:cNvPr id="13" name="图片 12">
+            <a:extLst>
+              <a:ext uri="{FF2B5EF4-FFF2-40B4-BE49-F238E27FC236}">
+                <a16:creationId xmlns:a16="http://schemas.microsoft.com/office/drawing/2014/main" id="{EDF69EE4-502B-43F6-B4FF-1BA0F133DE49}"/>
+              </a:ext>
+            </a:extLst>
+          </p:cNvPr>
+          <p:cNvPicPr>
+            <a:picLocks noChangeAspect="1"/>
+          </p:cNvPicPr>
+          <p:nvPr/>
+        </p:nvPicPr>
+        <p:blipFill>
+          <a:blip r:embed="rId2">
+            <a:extLst>
+              <a:ext uri="{28A0092B-C50C-407E-A947-70E740481C1C}">
+                <a14:useLocalDpi xmlns:a14="http://schemas.microsoft.com/office/drawing/2010/main" val="0"/>
+              </a:ext>
+            </a:extLst>
+          </a:blip>
+          <a:stretch>
+            <a:fillRect/>
+          </a:stretch>
+        </p:blipFill>
+        <p:spPr>
+          <a:xfrm>
+            <a:off x="307716" y="207301"/>
+            <a:ext cx="4295598" cy="3221699"/>
+          </a:xfrm>
+          <a:prstGeom prst="rect">
+            <a:avLst/>
+          </a:prstGeom>
+        </p:spPr>
+      </p:pic>
+      <p:pic>
+        <p:nvPicPr>
+          <p:cNvPr id="15" name="图片 14">
+            <a:extLst>
+              <a:ext uri="{FF2B5EF4-FFF2-40B4-BE49-F238E27FC236}">
+                <a16:creationId xmlns:a16="http://schemas.microsoft.com/office/drawing/2014/main" id="{3FD4A94D-077A-4C13-845D-55D7C1128339}"/>
+              </a:ext>
+            </a:extLst>
+          </p:cNvPr>
+          <p:cNvPicPr>
+            <a:picLocks noChangeAspect="1"/>
+          </p:cNvPicPr>
+          <p:nvPr/>
+        </p:nvPicPr>
+        <p:blipFill>
+          <a:blip r:embed="rId3">
+            <a:extLst>
+              <a:ext uri="{28A0092B-C50C-407E-A947-70E740481C1C}">
+                <a14:useLocalDpi xmlns:a14="http://schemas.microsoft.com/office/drawing/2010/main" val="0"/>
+              </a:ext>
+            </a:extLst>
+          </a:blip>
+          <a:stretch>
+            <a:fillRect/>
+          </a:stretch>
+        </p:blipFill>
+        <p:spPr>
+          <a:xfrm>
+            <a:off x="4704352" y="207301"/>
+            <a:ext cx="4295598" cy="3221699"/>
+          </a:xfrm>
+          <a:prstGeom prst="rect">
+            <a:avLst/>
+          </a:prstGeom>
+        </p:spPr>
+      </p:pic>
+      <p:pic>
+        <p:nvPicPr>
+          <p:cNvPr id="17" name="图片 16">
+            <a:extLst>
+              <a:ext uri="{FF2B5EF4-FFF2-40B4-BE49-F238E27FC236}">
+                <a16:creationId xmlns:a16="http://schemas.microsoft.com/office/drawing/2014/main" id="{797C92F6-53C0-4501-B351-31799AA61251}"/>
+              </a:ext>
+            </a:extLst>
+          </p:cNvPr>
+          <p:cNvPicPr>
+            <a:picLocks noChangeAspect="1"/>
+          </p:cNvPicPr>
+          <p:nvPr/>
+        </p:nvPicPr>
+        <p:blipFill>
+          <a:blip r:embed="rId4">
+            <a:extLst>
+              <a:ext uri="{28A0092B-C50C-407E-A947-70E740481C1C}">
+                <a14:useLocalDpi xmlns:a14="http://schemas.microsoft.com/office/drawing/2010/main" val="0"/>
+              </a:ext>
+            </a:extLst>
+          </a:blip>
+          <a:stretch>
+            <a:fillRect/>
+          </a:stretch>
+        </p:blipFill>
+        <p:spPr>
+          <a:xfrm>
+            <a:off x="307716" y="3382649"/>
+            <a:ext cx="4295598" cy="3221699"/>
+          </a:xfrm>
+          <a:prstGeom prst="rect">
+            <a:avLst/>
+          </a:prstGeom>
+        </p:spPr>
+      </p:pic>
+      <p:pic>
+        <p:nvPicPr>
+          <p:cNvPr id="19" name="图片 18">
+            <a:extLst>
+              <a:ext uri="{FF2B5EF4-FFF2-40B4-BE49-F238E27FC236}">
+                <a16:creationId xmlns:a16="http://schemas.microsoft.com/office/drawing/2014/main" id="{3343AD48-3267-4B22-9AC1-1877212D9452}"/>
+              </a:ext>
+            </a:extLst>
+          </p:cNvPr>
+          <p:cNvPicPr>
+            <a:picLocks noChangeAspect="1"/>
+          </p:cNvPicPr>
+          <p:nvPr/>
+        </p:nvPicPr>
+        <p:blipFill>
+          <a:blip r:embed="rId5">
+            <a:extLst>
+              <a:ext uri="{28A0092B-C50C-407E-A947-70E740481C1C}">
+                <a14:useLocalDpi xmlns:a14="http://schemas.microsoft.com/office/drawing/2010/main" val="0"/>
+              </a:ext>
+            </a:extLst>
+          </a:blip>
+          <a:stretch>
+            <a:fillRect/>
+          </a:stretch>
+        </p:blipFill>
+        <p:spPr>
+          <a:xfrm>
+            <a:off x="4704352" y="3382649"/>
+            <a:ext cx="4295598" cy="3221699"/>
+          </a:xfrm>
+          <a:prstGeom prst="rect">
+            <a:avLst/>
+          </a:prstGeom>
+        </p:spPr>
+      </p:pic>
+      <p:sp>
+        <p:nvSpPr>
+          <p:cNvPr id="20" name="文本框 19">
+            <a:extLst>
+              <a:ext uri="{FF2B5EF4-FFF2-40B4-BE49-F238E27FC236}">
+                <a16:creationId xmlns:a16="http://schemas.microsoft.com/office/drawing/2014/main" id="{D348A8F0-D4CE-4830-9D4D-6BA272B53CEF}"/>
+              </a:ext>
+            </a:extLst>
+          </p:cNvPr>
+          <p:cNvSpPr txBox="1"/>
+          <p:nvPr/>
+        </p:nvSpPr>
+        <p:spPr>
+          <a:xfrm>
+            <a:off x="9436622" y="429365"/>
+            <a:ext cx="1805302" cy="2585323"/>
+          </a:xfrm>
+          <a:prstGeom prst="rect">
+            <a:avLst/>
+          </a:prstGeom>
+          <a:noFill/>
+        </p:spPr>
+        <p:txBody>
+          <a:bodyPr wrap="none" rtlCol="0">
+            <a:spAutoFit/>
+          </a:bodyPr>
+          <a:lstStyle/>
+          <a:p>
+            <a:r>
+              <a:rPr lang="zh-CN" altLang="en-US" dirty="0"/>
+              <a:t>多目标优化</a:t>
+            </a:r>
+            <a:endParaRPr lang="en-US" altLang="zh-CN" dirty="0"/>
+          </a:p>
+          <a:p>
+            <a:r>
+              <a:rPr lang="zh-CN" altLang="en-US" dirty="0"/>
+              <a:t>四种工况</a:t>
+            </a:r>
+            <a:endParaRPr lang="en-US" altLang="zh-CN" dirty="0"/>
+          </a:p>
+          <a:p>
+            <a:r>
+              <a:rPr lang="en-US" altLang="zh-CN" dirty="0"/>
+              <a:t>42</a:t>
+            </a:r>
+            <a:r>
+              <a:rPr lang="zh-CN" altLang="en-US" dirty="0"/>
+              <a:t>组参数</a:t>
+            </a:r>
+            <a:endParaRPr lang="en-US" altLang="zh-CN" dirty="0"/>
+          </a:p>
+          <a:p>
+            <a:r>
+              <a:rPr lang="en-US" altLang="zh-CN" dirty="0"/>
+              <a:t>Method: NSGA2</a:t>
+            </a:r>
+          </a:p>
+          <a:p>
+            <a:r>
+              <a:rPr lang="en-US" altLang="zh-CN" dirty="0"/>
+              <a:t>Generations 200</a:t>
+            </a:r>
+          </a:p>
+          <a:p>
+            <a:r>
+              <a:rPr lang="en-US" altLang="zh-CN" dirty="0"/>
+              <a:t>Sol 40</a:t>
+            </a:r>
+          </a:p>
+          <a:p>
+            <a:r>
+              <a:rPr lang="en-US" altLang="zh-CN" dirty="0"/>
+              <a:t>Parents 20</a:t>
+            </a:r>
+          </a:p>
+          <a:p>
+            <a:r>
+              <a:rPr lang="zh-CN" altLang="en-US" dirty="0"/>
+              <a:t>参数归一化</a:t>
+            </a:r>
+            <a:endParaRPr lang="en-US" altLang="zh-CN" dirty="0"/>
+          </a:p>
+          <a:p>
+            <a:endParaRPr lang="zh-CN" altLang="en-US" dirty="0"/>
+          </a:p>
+        </p:txBody>
+      </p:sp>
+      <p:pic>
+        <p:nvPicPr>
+          <p:cNvPr id="21" name="图片 20">
+            <a:extLst>
+              <a:ext uri="{FF2B5EF4-FFF2-40B4-BE49-F238E27FC236}">
+                <a16:creationId xmlns:a16="http://schemas.microsoft.com/office/drawing/2014/main" id="{AD60A273-163F-475D-9A0A-DB9082B56D92}"/>
+              </a:ext>
+            </a:extLst>
+          </p:cNvPr>
+          <p:cNvPicPr>
+            <a:picLocks noChangeAspect="1"/>
+          </p:cNvPicPr>
+          <p:nvPr/>
+        </p:nvPicPr>
+        <p:blipFill>
+          <a:blip r:embed="rId6"/>
+          <a:stretch>
+            <a:fillRect/>
+          </a:stretch>
+        </p:blipFill>
+        <p:spPr>
+          <a:xfrm>
+            <a:off x="8943584" y="3992322"/>
+            <a:ext cx="3248416" cy="2436313"/>
+          </a:xfrm>
+          <a:prstGeom prst="rect">
+            <a:avLst/>
+          </a:prstGeom>
+        </p:spPr>
+      </p:pic>
+      <p:sp>
+        <p:nvSpPr>
+          <p:cNvPr id="23" name="文本框 22">
+            <a:extLst>
+              <a:ext uri="{FF2B5EF4-FFF2-40B4-BE49-F238E27FC236}">
+                <a16:creationId xmlns:a16="http://schemas.microsoft.com/office/drawing/2014/main" id="{2E61571A-A981-4763-B6BA-10106BCDD1C7}"/>
+              </a:ext>
+            </a:extLst>
+          </p:cNvPr>
+          <p:cNvSpPr txBox="1"/>
+          <p:nvPr/>
+        </p:nvSpPr>
+        <p:spPr>
+          <a:xfrm>
+            <a:off x="9248905" y="2782484"/>
+            <a:ext cx="2841495" cy="1200329"/>
+          </a:xfrm>
+          <a:prstGeom prst="rect">
+            <a:avLst/>
+          </a:prstGeom>
+          <a:noFill/>
+        </p:spPr>
+        <p:txBody>
+          <a:bodyPr wrap="square">
+            <a:spAutoFit/>
+          </a:bodyPr>
+          <a:lstStyle/>
+          <a:p>
+            <a:r>
+              <a:rPr lang="zh-CN" altLang="en-US" dirty="0"/>
+              <a:t>RMSE for 0.1C: 0.0135</a:t>
+            </a:r>
+            <a:r>
+              <a:rPr lang="en-US" altLang="zh-CN" dirty="0"/>
+              <a:t>V</a:t>
+            </a:r>
+            <a:endParaRPr lang="zh-CN" altLang="en-US" dirty="0"/>
+          </a:p>
+          <a:p>
+            <a:r>
+              <a:rPr lang="zh-CN" altLang="en-US" dirty="0"/>
+              <a:t>RMSE for 0.2C: 0.0122</a:t>
+            </a:r>
+            <a:r>
+              <a:rPr lang="en-US" altLang="zh-CN" dirty="0"/>
+              <a:t> V</a:t>
+            </a:r>
+            <a:endParaRPr lang="zh-CN" altLang="en-US" dirty="0"/>
+          </a:p>
+          <a:p>
+            <a:r>
+              <a:rPr lang="zh-CN" altLang="en-US" dirty="0"/>
+              <a:t>RMSE for 0.33C: 0.0107</a:t>
+            </a:r>
+            <a:r>
+              <a:rPr lang="en-US" altLang="zh-CN" dirty="0"/>
+              <a:t> V</a:t>
+            </a:r>
+            <a:endParaRPr lang="zh-CN" altLang="en-US" dirty="0"/>
+          </a:p>
+          <a:p>
+            <a:r>
+              <a:rPr lang="zh-CN" altLang="en-US" dirty="0"/>
+              <a:t>RMSE for 1.0C: 0.0053</a:t>
+            </a:r>
+            <a:r>
+              <a:rPr lang="en-US" altLang="zh-CN" dirty="0"/>
+              <a:t> V</a:t>
+            </a:r>
+            <a:endParaRPr lang="zh-CN" altLang="en-US" dirty="0"/>
+          </a:p>
+        </p:txBody>
+      </p:sp>
+    </p:spTree>
+    <p:extLst>
+      <p:ext uri="{BB962C8B-B14F-4D97-AF65-F5344CB8AC3E}">
+        <p14:creationId xmlns:p14="http://schemas.microsoft.com/office/powerpoint/2010/main" val="838347445"/>
+      </p:ext>
+    </p:extLst>
+  </p:cSld>
+  <p:clrMapOvr>
+    <a:masterClrMapping/>
+  </p:clrMapOvr>
+</p:sld>
+</file>
+
+<file path=ppt/slides/slide7.xml><?xml version="1.0" encoding="utf-8"?>
+<p:sld xmlns:a="http://schemas.openxmlformats.org/drawingml/2006/main" xmlns:r="http://schemas.openxmlformats.org/officeDocument/2006/relationships" xmlns:p="http://schemas.openxmlformats.org/presentationml/2006/main">
+  <p:cSld>
+    <p:spTree>
+      <p:nvGrpSpPr>
+        <p:cNvPr id="1" name=""/>
+        <p:cNvGrpSpPr/>
+        <p:nvPr/>
+      </p:nvGrpSpPr>
+      <p:grpSpPr>
+        <a:xfrm>
+          <a:off x="0" y="0"/>
+          <a:ext cx="0" cy="0"/>
+          <a:chOff x="0" y="0"/>
+          <a:chExt cx="0" cy="0"/>
+        </a:xfrm>
+      </p:grpSpPr>
+      <p:sp>
+        <p:nvSpPr>
+          <p:cNvPr id="3" name="文本框 2">
+            <a:extLst>
+              <a:ext uri="{FF2B5EF4-FFF2-40B4-BE49-F238E27FC236}">
+                <a16:creationId xmlns:a16="http://schemas.microsoft.com/office/drawing/2014/main" id="{746622F2-4259-4793-B9DB-20D7B8F3DA9D}"/>
+              </a:ext>
+            </a:extLst>
+          </p:cNvPr>
+          <p:cNvSpPr txBox="1"/>
+          <p:nvPr/>
+        </p:nvSpPr>
+        <p:spPr>
+          <a:xfrm>
+            <a:off x="203201" y="165826"/>
+            <a:ext cx="7448550" cy="6771084"/>
+          </a:xfrm>
+          <a:prstGeom prst="rect">
+            <a:avLst/>
+          </a:prstGeom>
+          <a:noFill/>
+        </p:spPr>
+        <p:txBody>
+          <a:bodyPr wrap="square">
+            <a:spAutoFit/>
+          </a:bodyPr>
+          <a:lstStyle/>
+          <a:p>
+            <a:r>
+              <a:rPr lang="zh-CN" altLang="en-US" sz="1400" dirty="0">
+                <a:solidFill>
+                  <a:srgbClr val="FF0000"/>
+                </a:solidFill>
+              </a:rPr>
+              <a:t>Solution idx: 0, Fitness: [-0.02528368 -0.02010612 -0.02614469 -0.01746876]</a:t>
+            </a:r>
+            <a:endParaRPr lang="en-US" altLang="zh-CN" sz="1400" dirty="0">
+              <a:solidFill>
+                <a:srgbClr val="FF0000"/>
+              </a:solidFill>
+            </a:endParaRPr>
+          </a:p>
+          <a:p>
+            <a:r>
+              <a:rPr lang="zh-CN" altLang="en-US" sz="1400" dirty="0">
+                <a:solidFill>
+                  <a:srgbClr val="FF0000"/>
+                </a:solidFill>
+              </a:rPr>
+              <a:t>Solution idx: 21, Fitness: [-0.02385159 -0.01942114 -0.02506837 -0.0600114 ]</a:t>
+            </a:r>
+            <a:endParaRPr lang="en-US" altLang="zh-CN" sz="1400" dirty="0">
+              <a:solidFill>
+                <a:srgbClr val="FF0000"/>
+              </a:solidFill>
+            </a:endParaRPr>
+          </a:p>
+          <a:p>
+            <a:r>
+              <a:rPr lang="zh-CN" altLang="en-US" sz="1400" dirty="0"/>
+              <a:t>Solution idx: 5, Fitness: [-0.06208009 -0.06789176 -0.07734275 -0.19711066]</a:t>
+            </a:r>
+            <a:endParaRPr lang="en-US" altLang="zh-CN" sz="1400" dirty="0"/>
+          </a:p>
+          <a:p>
+            <a:r>
+              <a:rPr lang="zh-CN" altLang="en-US" sz="1400" dirty="0"/>
+              <a:t>Solution idx: 6, Fitness: [-0.07214282 -0.07352577 -0.07696954 -0.09042975]</a:t>
+            </a:r>
+            <a:endParaRPr lang="en-US" altLang="zh-CN" sz="1400" dirty="0"/>
+          </a:p>
+          <a:p>
+            <a:r>
+              <a:rPr lang="zh-CN" altLang="en-US" sz="1400" dirty="0"/>
+              <a:t>Solution idx: 9, Fitness: [-0.07881335 -0.07210385 -0.07320916 -0.42324318]</a:t>
+            </a:r>
+            <a:endParaRPr lang="en-US" altLang="zh-CN" sz="1400" dirty="0"/>
+          </a:p>
+          <a:p>
+            <a:r>
+              <a:rPr lang="zh-CN" altLang="en-US" sz="1400" dirty="0"/>
+              <a:t>Solution idx: 14, Fitness: [-0.09216827 -0.09216611 -0.09402016 -0.06467298]</a:t>
+            </a:r>
+            <a:endParaRPr lang="en-US" altLang="zh-CN" sz="1400" dirty="0"/>
+          </a:p>
+          <a:p>
+            <a:r>
+              <a:rPr lang="zh-CN" altLang="en-US" sz="1400" dirty="0"/>
+              <a:t>Solution idx: 16, Fitness: [-0.07381418 -0.07403447 -0.07715867 -0.07946996]</a:t>
+            </a:r>
+            <a:endParaRPr lang="en-US" altLang="zh-CN" sz="1400" dirty="0"/>
+          </a:p>
+          <a:p>
+            <a:r>
+              <a:rPr lang="zh-CN" altLang="en-US" sz="1400" dirty="0"/>
+              <a:t>Solution idx: 29, Fitness: [-0.06781063 -0.0645991  -0.0714184  -0.46041879]</a:t>
+            </a:r>
+            <a:endParaRPr lang="en-US" altLang="zh-CN" sz="1400" dirty="0"/>
+          </a:p>
+          <a:p>
+            <a:r>
+              <a:rPr lang="zh-CN" altLang="en-US" sz="1400" dirty="0"/>
+              <a:t>Solution idx: 35, Fitness: [-0.07195064 -0.07299533 -0.07778155 -0.14593675]</a:t>
+            </a:r>
+            <a:endParaRPr lang="en-US" altLang="zh-CN" sz="1400" dirty="0"/>
+          </a:p>
+          <a:p>
+            <a:r>
+              <a:rPr lang="zh-CN" altLang="en-US" sz="1400" dirty="0"/>
+              <a:t>Solution idx: 2, Fitness: [-0.07965046 -0.07962096 -0.08495685 -0.08165822]</a:t>
+            </a:r>
+            <a:endParaRPr lang="en-US" altLang="zh-CN" sz="1400" dirty="0"/>
+          </a:p>
+          <a:p>
+            <a:r>
+              <a:rPr lang="zh-CN" altLang="en-US" sz="1400" dirty="0"/>
+              <a:t>Solution idx: 8, Fitness: [-0.07370151 -0.0774802  -0.08221429 -0.09045106]</a:t>
+            </a:r>
+            <a:endParaRPr lang="en-US" altLang="zh-CN" sz="1400" dirty="0"/>
+          </a:p>
+          <a:p>
+            <a:r>
+              <a:rPr lang="zh-CN" altLang="en-US" sz="1400" dirty="0"/>
+              <a:t>Solution idx: 15, Fitness: [-0.08216594 -0.07963066 -0.08061405 -0.08621438]</a:t>
+            </a:r>
+            <a:endParaRPr lang="en-US" altLang="zh-CN" sz="1400" dirty="0"/>
+          </a:p>
+          <a:p>
+            <a:r>
+              <a:rPr lang="zh-CN" altLang="en-US" sz="1400" dirty="0"/>
+              <a:t>Solution idx: 26, Fitness: [-0.0634022  -0.06849639 -0.08318001 -0.47752533]</a:t>
+            </a:r>
+            <a:endParaRPr lang="en-US" altLang="zh-CN" sz="1400" dirty="0"/>
+          </a:p>
+          <a:p>
+            <a:r>
+              <a:rPr lang="zh-CN" altLang="en-US" sz="1400" dirty="0"/>
+              <a:t>Solution idx: 30, Fitness: [-0.0952305  -0.09701479 -0.10154396 -0.08070614]</a:t>
+            </a:r>
+            <a:endParaRPr lang="en-US" altLang="zh-CN" sz="1400" dirty="0"/>
+          </a:p>
+          <a:p>
+            <a:r>
+              <a:rPr lang="zh-CN" altLang="en-US" sz="1400" dirty="0"/>
+              <a:t>Solution idx: 32, Fitness: [-0.07310716 -0.07437364 -0.07825718 -0.097206  ]</a:t>
+            </a:r>
+            <a:endParaRPr lang="en-US" altLang="zh-CN" sz="1400" dirty="0"/>
+          </a:p>
+          <a:p>
+            <a:r>
+              <a:rPr lang="zh-CN" altLang="en-US" sz="1400" dirty="0"/>
+              <a:t>Solution idx: 3, Fitness: [-0.08326269 -0.08250451 -0.08506162 -0.08187204]</a:t>
+            </a:r>
+            <a:endParaRPr lang="en-US" altLang="zh-CN" sz="1400" dirty="0"/>
+          </a:p>
+          <a:p>
+            <a:r>
+              <a:rPr lang="zh-CN" altLang="en-US" sz="1400" dirty="0"/>
+              <a:t>Solution idx: 7, Fitness: [-0.07633718 -0.07786829 -0.0835886  -0.09805755]</a:t>
+            </a:r>
+            <a:endParaRPr lang="en-US" altLang="zh-CN" sz="1400" dirty="0"/>
+          </a:p>
+          <a:p>
+            <a:r>
+              <a:rPr lang="zh-CN" altLang="en-US" sz="1400" dirty="0"/>
+              <a:t>Solution idx: 27, Fitness: [-0.0800438  -0.08106785 -0.08585914 -0.09281255]</a:t>
+            </a:r>
+            <a:endParaRPr lang="en-US" altLang="zh-CN" sz="1400" dirty="0"/>
+          </a:p>
+          <a:p>
+            <a:r>
+              <a:rPr lang="zh-CN" altLang="en-US" sz="1400" dirty="0"/>
+              <a:t>Solution idx: 33, Fitness: [-0.08519032 -0.08405839 -0.08311515 -0.20299201]</a:t>
+            </a:r>
+            <a:endParaRPr lang="en-US" altLang="zh-CN" sz="1400" dirty="0"/>
+          </a:p>
+          <a:p>
+            <a:r>
+              <a:rPr lang="zh-CN" altLang="en-US" sz="1400" dirty="0"/>
+              <a:t>Solution idx: 17, Fitness: [-0.07901143 -0.08030531 -0.08472302 -0.11602208]</a:t>
+            </a:r>
+            <a:endParaRPr lang="en-US" altLang="zh-CN" sz="1400" dirty="0"/>
+          </a:p>
+          <a:p>
+            <a:r>
+              <a:rPr lang="zh-CN" altLang="en-US" sz="1400" dirty="0"/>
+              <a:t>Solution idx: 28, Fitness: [-0.09375778 -0.09125385 -0.09151779 -0.08717177]</a:t>
+            </a:r>
+            <a:endParaRPr lang="en-US" altLang="zh-CN" sz="1400" dirty="0"/>
+          </a:p>
+          <a:p>
+            <a:r>
+              <a:rPr lang="zh-CN" altLang="en-US" sz="1400" dirty="0"/>
+              <a:t>Solution idx: 36, Fitness: [-0.09005301 -0.08984881 -0.09262989 -0.08934875]</a:t>
+            </a:r>
+            <a:endParaRPr lang="en-US" altLang="zh-CN" sz="1400" dirty="0"/>
+          </a:p>
+          <a:p>
+            <a:r>
+              <a:rPr lang="zh-CN" altLang="en-US" sz="1400" dirty="0"/>
+              <a:t>Solution idx: 39, Fitness: [-0.08259314 -0.08488497 -0.09142747 -0.10302895]</a:t>
+            </a:r>
+            <a:endParaRPr lang="en-US" altLang="zh-CN" sz="1400" dirty="0"/>
+          </a:p>
+          <a:p>
+            <a:r>
+              <a:rPr lang="zh-CN" altLang="en-US" sz="1400" dirty="0"/>
+              <a:t>Solution idx: 11, Fitness: [-0.096374   -0.09051337 -0.08638393 -0.25345431]</a:t>
+            </a:r>
+            <a:endParaRPr lang="en-US" altLang="zh-CN" sz="1400" dirty="0"/>
+          </a:p>
+          <a:p>
+            <a:r>
+              <a:rPr lang="zh-CN" altLang="en-US" sz="1400" dirty="0"/>
+              <a:t>Solution idx: 20, Fitness: [-0.08771698 -0.08985835 -0.0957491  -0.10934974]</a:t>
+            </a:r>
+            <a:endParaRPr lang="en-US" altLang="zh-CN" sz="1400" dirty="0"/>
+          </a:p>
+          <a:p>
+            <a:r>
+              <a:rPr lang="zh-CN" altLang="en-US" sz="1400" dirty="0"/>
+              <a:t>Solution idx: 23, Fitness: [-0.09032468 -0.09148843 -0.09536087 -0.09526511]</a:t>
+            </a:r>
+            <a:endParaRPr lang="en-US" altLang="zh-CN" sz="1400" dirty="0"/>
+          </a:p>
+          <a:p>
+            <a:r>
+              <a:rPr lang="zh-CN" altLang="en-US" sz="1400" dirty="0"/>
+              <a:t>Solution idx: 19, Fitness: [-0.09304705 -0.09710244 -0.105498   -0.13450368]</a:t>
+            </a:r>
+            <a:endParaRPr lang="en-US" altLang="zh-CN" sz="1400" dirty="0"/>
+          </a:p>
+          <a:p>
+            <a:r>
+              <a:rPr lang="zh-CN" altLang="en-US" sz="1400" dirty="0"/>
+              <a:t>Solution idx: 25, Fitness: [-0.09319497 -0.09392413 -0.09758392 -0.0974617 ]</a:t>
+            </a:r>
+            <a:endParaRPr lang="en-US" altLang="zh-CN" sz="1400" dirty="0"/>
+          </a:p>
+          <a:p>
+            <a:r>
+              <a:rPr lang="zh-CN" altLang="en-US" sz="1400" dirty="0"/>
+              <a:t>Solution idx: 4, Fitness: [-0.13436265 -0.13689343 -0.12144523 -0.12189381]</a:t>
+            </a:r>
+            <a:endParaRPr lang="en-US" altLang="zh-CN" sz="1400" dirty="0"/>
+          </a:p>
+          <a:p>
+            <a:r>
+              <a:rPr lang="zh-CN" altLang="en-US" sz="1400" dirty="0"/>
+              <a:t>Solution idx: 24, Fitness: [-0.13835391 -0.1466968  -0.14092778 -0.24459015]</a:t>
+            </a:r>
+          </a:p>
+          <a:p>
+            <a:endParaRPr lang="en-US" altLang="zh-CN" sz="1400" dirty="0"/>
+          </a:p>
+        </p:txBody>
+      </p:sp>
+    </p:spTree>
+    <p:extLst>
+      <p:ext uri="{BB962C8B-B14F-4D97-AF65-F5344CB8AC3E}">
+        <p14:creationId xmlns:p14="http://schemas.microsoft.com/office/powerpoint/2010/main" val="2933147416"/>
       </p:ext>
     </p:extLst>
   </p:cSld>
